--- a/Tenniskönig.pptx
+++ b/Tenniskönig.pptx
@@ -7,10 +7,25 @@
   <p:sldIdLst>
     <p:sldId id="256" r:id="rId2"/>
     <p:sldId id="257" r:id="rId3"/>
-    <p:sldId id="258" r:id="rId4"/>
-    <p:sldId id="259" r:id="rId5"/>
-    <p:sldId id="260" r:id="rId6"/>
-    <p:sldId id="261" r:id="rId7"/>
+    <p:sldId id="262" r:id="rId4"/>
+    <p:sldId id="258" r:id="rId5"/>
+    <p:sldId id="259" r:id="rId6"/>
+    <p:sldId id="260" r:id="rId7"/>
+    <p:sldId id="272" r:id="rId8"/>
+    <p:sldId id="274" r:id="rId9"/>
+    <p:sldId id="273" r:id="rId10"/>
+    <p:sldId id="261" r:id="rId11"/>
+    <p:sldId id="263" r:id="rId12"/>
+    <p:sldId id="264" r:id="rId13"/>
+    <p:sldId id="266" r:id="rId14"/>
+    <p:sldId id="267" r:id="rId15"/>
+    <p:sldId id="265" r:id="rId16"/>
+    <p:sldId id="268" r:id="rId17"/>
+    <p:sldId id="275" r:id="rId18"/>
+    <p:sldId id="269" r:id="rId19"/>
+    <p:sldId id="270" r:id="rId20"/>
+    <p:sldId id="271" r:id="rId21"/>
+    <p:sldId id="276" r:id="rId22"/>
   </p:sldIdLst>
   <p:sldSz cx="12192000" cy="6858000"/>
   <p:notesSz cx="6858000" cy="9144000"/>
@@ -109,6 +124,11 @@
       </a:defRPr>
     </a:lvl9pPr>
   </p:defaultTextStyle>
+  <p:extLst>
+    <p:ext uri="{EFAFB233-063F-42B5-8137-9DF3F51BA10A}">
+      <p15:sldGuideLst xmlns:p15="http://schemas.microsoft.com/office/powerpoint/2012/main"/>
+    </p:ext>
+  </p:extLst>
 </p:presentation>
 </file>
 
@@ -13364,6 +13384,1749 @@
 </p:sld>
 </file>
 
+<file path=ppt/slides/slide10.xml><?xml version="1.0" encoding="utf-8"?>
+<p:sld xmlns:a="http://schemas.openxmlformats.org/drawingml/2006/main" xmlns:r="http://schemas.openxmlformats.org/officeDocument/2006/relationships" xmlns:p="http://schemas.openxmlformats.org/presentationml/2006/main">
+  <p:cSld>
+    <p:spTree>
+      <p:nvGrpSpPr>
+        <p:cNvPr id="1" name=""/>
+        <p:cNvGrpSpPr/>
+        <p:nvPr/>
+      </p:nvGrpSpPr>
+      <p:grpSpPr>
+        <a:xfrm>
+          <a:off x="0" y="0"/>
+          <a:ext cx="0" cy="0"/>
+          <a:chOff x="0" y="0"/>
+          <a:chExt cx="0" cy="0"/>
+        </a:xfrm>
+      </p:grpSpPr>
+      <p:sp>
+        <p:nvSpPr>
+          <p:cNvPr id="2" name="Titel 1">
+            <a:extLst>
+              <a:ext uri="{FF2B5EF4-FFF2-40B4-BE49-F238E27FC236}">
+                <a16:creationId xmlns:a16="http://schemas.microsoft.com/office/drawing/2014/main" id="{A7852244-CA77-4203-BC0B-3787BC58FB0E}"/>
+              </a:ext>
+            </a:extLst>
+          </p:cNvPr>
+          <p:cNvSpPr>
+            <a:spLocks noGrp="1"/>
+          </p:cNvSpPr>
+          <p:nvPr>
+            <p:ph type="title"/>
+          </p:nvPr>
+        </p:nvSpPr>
+        <p:spPr/>
+        <p:txBody>
+          <a:bodyPr/>
+          <a:lstStyle/>
+          <a:p>
+            <a:r>
+              <a:rPr lang="de-DE" dirty="0"/>
+              <a:t>FP Time </a:t>
+            </a:r>
+            <a:r>
+              <a:rPr lang="de-DE" dirty="0" err="1"/>
+              <a:t>Estimation</a:t>
+            </a:r>
+            <a:endParaRPr lang="de-DE" dirty="0"/>
+          </a:p>
+        </p:txBody>
+      </p:sp>
+      <p:pic>
+        <p:nvPicPr>
+          <p:cNvPr id="5" name="Grafik 4">
+            <a:extLst>
+              <a:ext uri="{FF2B5EF4-FFF2-40B4-BE49-F238E27FC236}">
+                <a16:creationId xmlns:a16="http://schemas.microsoft.com/office/drawing/2014/main" id="{48AE955A-9882-48CC-B0F2-821BD8C216BA}"/>
+              </a:ext>
+            </a:extLst>
+          </p:cNvPr>
+          <p:cNvPicPr>
+            <a:picLocks noChangeAspect="1"/>
+          </p:cNvPicPr>
+          <p:nvPr/>
+        </p:nvPicPr>
+        <p:blipFill rotWithShape="1">
+          <a:blip r:embed="rId2"/>
+          <a:srcRect l="42956" t="5730" r="-1"/>
+          <a:stretch/>
+        </p:blipFill>
+        <p:spPr>
+          <a:xfrm>
+            <a:off x="6096000" y="1693333"/>
+            <a:ext cx="5801513" cy="3981900"/>
+          </a:xfrm>
+          <a:prstGeom prst="rect">
+            <a:avLst/>
+          </a:prstGeom>
+        </p:spPr>
+      </p:pic>
+    </p:spTree>
+    <p:extLst>
+      <p:ext uri="{BB962C8B-B14F-4D97-AF65-F5344CB8AC3E}">
+        <p14:creationId xmlns:p14="http://schemas.microsoft.com/office/powerpoint/2010/main" val="2865027297"/>
+      </p:ext>
+    </p:extLst>
+  </p:cSld>
+  <p:clrMapOvr>
+    <a:masterClrMapping/>
+  </p:clrMapOvr>
+</p:sld>
+</file>
+
+<file path=ppt/slides/slide11.xml><?xml version="1.0" encoding="utf-8"?>
+<p:sld xmlns:a="http://schemas.openxmlformats.org/drawingml/2006/main" xmlns:r="http://schemas.openxmlformats.org/officeDocument/2006/relationships" xmlns:p="http://schemas.openxmlformats.org/presentationml/2006/main">
+  <p:cSld>
+    <p:spTree>
+      <p:nvGrpSpPr>
+        <p:cNvPr id="1" name=""/>
+        <p:cNvGrpSpPr/>
+        <p:nvPr/>
+      </p:nvGrpSpPr>
+      <p:grpSpPr>
+        <a:xfrm>
+          <a:off x="0" y="0"/>
+          <a:ext cx="0" cy="0"/>
+          <a:chOff x="0" y="0"/>
+          <a:chExt cx="0" cy="0"/>
+        </a:xfrm>
+      </p:grpSpPr>
+      <p:pic>
+        <p:nvPicPr>
+          <p:cNvPr id="5" name="Bildplatzhalter 4">
+            <a:extLst>
+              <a:ext uri="{FF2B5EF4-FFF2-40B4-BE49-F238E27FC236}">
+                <a16:creationId xmlns:a16="http://schemas.microsoft.com/office/drawing/2014/main" id="{5679D867-E8D4-478C-AFFE-DC116A429C46}"/>
+              </a:ext>
+            </a:extLst>
+          </p:cNvPr>
+          <p:cNvPicPr>
+            <a:picLocks noGrp="1" noChangeAspect="1"/>
+          </p:cNvPicPr>
+          <p:nvPr>
+            <p:ph type="pic" idx="4294967295"/>
+          </p:nvPr>
+        </p:nvPicPr>
+        <p:blipFill rotWithShape="1">
+          <a:blip r:embed="rId2"/>
+          <a:srcRect l="-9829" r="-6665"/>
+          <a:stretch/>
+        </p:blipFill>
+        <p:spPr>
+          <a:xfrm>
+            <a:off x="-152400" y="733425"/>
+            <a:ext cx="12344400" cy="5524500"/>
+          </a:xfrm>
+          <a:prstGeom prst="rect">
+            <a:avLst/>
+          </a:prstGeom>
+        </p:spPr>
+      </p:pic>
+    </p:spTree>
+    <p:extLst>
+      <p:ext uri="{BB962C8B-B14F-4D97-AF65-F5344CB8AC3E}">
+        <p14:creationId xmlns:p14="http://schemas.microsoft.com/office/powerpoint/2010/main" val="902550389"/>
+      </p:ext>
+    </p:extLst>
+  </p:cSld>
+  <p:clrMapOvr>
+    <a:masterClrMapping/>
+  </p:clrMapOvr>
+</p:sld>
+</file>
+
+<file path=ppt/slides/slide12.xml><?xml version="1.0" encoding="utf-8"?>
+<p:sld xmlns:a="http://schemas.openxmlformats.org/drawingml/2006/main" xmlns:r="http://schemas.openxmlformats.org/officeDocument/2006/relationships" xmlns:p="http://schemas.openxmlformats.org/presentationml/2006/main">
+  <p:cSld>
+    <p:spTree>
+      <p:nvGrpSpPr>
+        <p:cNvPr id="1" name=""/>
+        <p:cNvGrpSpPr/>
+        <p:nvPr/>
+      </p:nvGrpSpPr>
+      <p:grpSpPr>
+        <a:xfrm>
+          <a:off x="0" y="0"/>
+          <a:ext cx="0" cy="0"/>
+          <a:chOff x="0" y="0"/>
+          <a:chExt cx="0" cy="0"/>
+        </a:xfrm>
+      </p:grpSpPr>
+      <p:sp>
+        <p:nvSpPr>
+          <p:cNvPr id="5" name="Titel 4">
+            <a:extLst>
+              <a:ext uri="{FF2B5EF4-FFF2-40B4-BE49-F238E27FC236}">
+                <a16:creationId xmlns:a16="http://schemas.microsoft.com/office/drawing/2014/main" id="{2236A1AB-E1F5-41F4-81E5-F695CB2B6F6A}"/>
+              </a:ext>
+            </a:extLst>
+          </p:cNvPr>
+          <p:cNvSpPr>
+            <a:spLocks noGrp="1"/>
+          </p:cNvSpPr>
+          <p:nvPr>
+            <p:ph type="title"/>
+          </p:nvPr>
+        </p:nvSpPr>
+        <p:spPr/>
+        <p:txBody>
+          <a:bodyPr/>
+          <a:lstStyle/>
+          <a:p>
+            <a:r>
+              <a:rPr lang="de-DE" dirty="0" err="1"/>
+              <a:t>Testing</a:t>
+            </a:r>
+            <a:endParaRPr lang="de-DE" dirty="0"/>
+          </a:p>
+        </p:txBody>
+      </p:sp>
+      <p:sp>
+        <p:nvSpPr>
+          <p:cNvPr id="6" name="Textfeld 5">
+            <a:extLst>
+              <a:ext uri="{FF2B5EF4-FFF2-40B4-BE49-F238E27FC236}">
+                <a16:creationId xmlns:a16="http://schemas.microsoft.com/office/drawing/2014/main" id="{BE485B67-8701-41AF-AE66-47E3DCF047BE}"/>
+              </a:ext>
+            </a:extLst>
+          </p:cNvPr>
+          <p:cNvSpPr txBox="1"/>
+          <p:nvPr/>
+        </p:nvSpPr>
+        <p:spPr>
+          <a:xfrm>
+            <a:off x="742950" y="2305050"/>
+            <a:ext cx="10620375" cy="3046988"/>
+          </a:xfrm>
+          <a:prstGeom prst="rect">
+            <a:avLst/>
+          </a:prstGeom>
+          <a:noFill/>
+        </p:spPr>
+        <p:txBody>
+          <a:bodyPr wrap="square" rtlCol="0">
+            <a:spAutoFit/>
+          </a:bodyPr>
+          <a:lstStyle/>
+          <a:p>
+            <a:r>
+              <a:rPr lang="de-DE" sz="2400" b="1" dirty="0">
+                <a:solidFill>
+                  <a:schemeClr val="accent1"/>
+                </a:solidFill>
+              </a:rPr>
+              <a:t>Unit </a:t>
+            </a:r>
+            <a:r>
+              <a:rPr lang="de-DE" sz="2400" b="1" dirty="0" err="1">
+                <a:solidFill>
+                  <a:schemeClr val="accent1"/>
+                </a:solidFill>
+              </a:rPr>
+              <a:t>Testing</a:t>
+            </a:r>
+            <a:endParaRPr lang="de-DE" sz="2400" b="1" dirty="0">
+              <a:solidFill>
+                <a:schemeClr val="accent1"/>
+              </a:solidFill>
+            </a:endParaRPr>
+          </a:p>
+          <a:p>
+            <a:r>
+              <a:rPr lang="de-DE" sz="2400" dirty="0"/>
+              <a:t>	</a:t>
+            </a:r>
+            <a:r>
+              <a:rPr lang="de-DE" sz="2400" dirty="0" err="1"/>
+              <a:t>Testing</a:t>
+            </a:r>
+            <a:r>
+              <a:rPr lang="de-DE" sz="2400" dirty="0"/>
+              <a:t> </a:t>
+            </a:r>
+            <a:r>
+              <a:rPr lang="de-DE" sz="2400" dirty="0" err="1"/>
+              <a:t>the</a:t>
+            </a:r>
+            <a:r>
+              <a:rPr lang="de-DE" sz="2400" dirty="0"/>
+              <a:t> </a:t>
+            </a:r>
+            <a:r>
+              <a:rPr lang="de-DE" sz="2400" dirty="0" err="1"/>
+              <a:t>functionality</a:t>
+            </a:r>
+            <a:r>
+              <a:rPr lang="de-DE" sz="2400" dirty="0"/>
+              <a:t> </a:t>
+            </a:r>
+            <a:r>
+              <a:rPr lang="de-DE" sz="2400" dirty="0" err="1"/>
+              <a:t>of</a:t>
+            </a:r>
+            <a:r>
+              <a:rPr lang="de-DE" sz="2400" dirty="0"/>
+              <a:t> individual </a:t>
+            </a:r>
+            <a:r>
+              <a:rPr lang="de-DE" sz="2400" dirty="0" err="1"/>
+              <a:t>functions</a:t>
+            </a:r>
+            <a:endParaRPr lang="de-DE" sz="2400" dirty="0"/>
+          </a:p>
+          <a:p>
+            <a:endParaRPr lang="de-DE" sz="2400" dirty="0"/>
+          </a:p>
+          <a:p>
+            <a:r>
+              <a:rPr lang="de-DE" sz="2400" b="1" dirty="0" err="1">
+                <a:solidFill>
+                  <a:schemeClr val="accent1"/>
+                </a:solidFill>
+              </a:rPr>
+              <a:t>Functional</a:t>
+            </a:r>
+            <a:r>
+              <a:rPr lang="de-DE" sz="2400" b="1" dirty="0">
+                <a:solidFill>
+                  <a:schemeClr val="accent1"/>
+                </a:solidFill>
+              </a:rPr>
+              <a:t> </a:t>
+            </a:r>
+            <a:r>
+              <a:rPr lang="de-DE" sz="2400" b="1" dirty="0" err="1">
+                <a:solidFill>
+                  <a:schemeClr val="accent1"/>
+                </a:solidFill>
+              </a:rPr>
+              <a:t>Testing</a:t>
+            </a:r>
+            <a:endParaRPr lang="de-DE" sz="2400" b="1" dirty="0">
+              <a:solidFill>
+                <a:schemeClr val="accent1"/>
+              </a:solidFill>
+            </a:endParaRPr>
+          </a:p>
+          <a:p>
+            <a:r>
+              <a:rPr lang="de-DE" sz="2400" dirty="0"/>
+              <a:t>	</a:t>
+            </a:r>
+            <a:r>
+              <a:rPr lang="de-DE" sz="2400" dirty="0" err="1"/>
+              <a:t>Testing</a:t>
+            </a:r>
+            <a:r>
+              <a:rPr lang="de-DE" sz="2400" dirty="0"/>
+              <a:t> a </a:t>
+            </a:r>
+            <a:r>
+              <a:rPr lang="de-DE" sz="2400" dirty="0" err="1"/>
+              <a:t>complete</a:t>
+            </a:r>
+            <a:r>
+              <a:rPr lang="de-DE" sz="2400" dirty="0"/>
+              <a:t> </a:t>
+            </a:r>
+            <a:r>
+              <a:rPr lang="de-DE" sz="2400" dirty="0" err="1"/>
+              <a:t>functionality</a:t>
+            </a:r>
+            <a:r>
+              <a:rPr lang="de-DE" sz="2400" dirty="0"/>
+              <a:t> </a:t>
+            </a:r>
+            <a:r>
+              <a:rPr lang="de-DE" sz="2400" dirty="0" err="1"/>
+              <a:t>of</a:t>
+            </a:r>
+            <a:r>
+              <a:rPr lang="de-DE" sz="2400" dirty="0"/>
+              <a:t> </a:t>
+            </a:r>
+            <a:r>
+              <a:rPr lang="de-DE" sz="2400" dirty="0" err="1"/>
+              <a:t>the</a:t>
+            </a:r>
+            <a:r>
+              <a:rPr lang="de-DE" sz="2400" dirty="0"/>
+              <a:t> </a:t>
+            </a:r>
+            <a:r>
+              <a:rPr lang="de-DE" sz="2400" dirty="0" err="1"/>
+              <a:t>application</a:t>
+            </a:r>
+            <a:endParaRPr lang="de-DE" sz="2400" dirty="0"/>
+          </a:p>
+          <a:p>
+            <a:endParaRPr lang="de-DE" sz="2400" dirty="0"/>
+          </a:p>
+          <a:p>
+            <a:r>
+              <a:rPr lang="de-DE" sz="2400" b="1" dirty="0">
+                <a:solidFill>
+                  <a:schemeClr val="accent1"/>
+                </a:solidFill>
+              </a:rPr>
+              <a:t>User </a:t>
+            </a:r>
+            <a:r>
+              <a:rPr lang="de-DE" sz="2400" b="1" dirty="0" err="1">
+                <a:solidFill>
+                  <a:schemeClr val="accent1"/>
+                </a:solidFill>
+              </a:rPr>
+              <a:t>Testing</a:t>
+            </a:r>
+            <a:endParaRPr lang="de-DE" sz="2400" b="1" dirty="0">
+              <a:solidFill>
+                <a:schemeClr val="accent1"/>
+              </a:solidFill>
+            </a:endParaRPr>
+          </a:p>
+          <a:p>
+            <a:r>
+              <a:rPr lang="de-DE" sz="2400" dirty="0"/>
+              <a:t>	</a:t>
+            </a:r>
+            <a:r>
+              <a:rPr lang="de-DE" sz="2400" dirty="0" err="1"/>
+              <a:t>Testing</a:t>
+            </a:r>
+            <a:r>
+              <a:rPr lang="de-DE" sz="2400" dirty="0"/>
+              <a:t> </a:t>
+            </a:r>
+            <a:r>
+              <a:rPr lang="de-DE" sz="2400" dirty="0" err="1"/>
+              <a:t>the</a:t>
+            </a:r>
+            <a:r>
+              <a:rPr lang="de-DE" sz="2400" dirty="0"/>
+              <a:t> </a:t>
+            </a:r>
+            <a:r>
+              <a:rPr lang="de-DE" sz="2400" dirty="0" err="1"/>
+              <a:t>usability</a:t>
+            </a:r>
+            <a:endParaRPr lang="de-DE" sz="2400" dirty="0"/>
+          </a:p>
+        </p:txBody>
+      </p:sp>
+    </p:spTree>
+    <p:extLst>
+      <p:ext uri="{BB962C8B-B14F-4D97-AF65-F5344CB8AC3E}">
+        <p14:creationId xmlns:p14="http://schemas.microsoft.com/office/powerpoint/2010/main" val="3496005198"/>
+      </p:ext>
+    </p:extLst>
+  </p:cSld>
+  <p:clrMapOvr>
+    <a:masterClrMapping/>
+  </p:clrMapOvr>
+</p:sld>
+</file>
+
+<file path=ppt/slides/slide13.xml><?xml version="1.0" encoding="utf-8"?>
+<p:sld xmlns:a="http://schemas.openxmlformats.org/drawingml/2006/main" xmlns:r="http://schemas.openxmlformats.org/officeDocument/2006/relationships" xmlns:p="http://schemas.openxmlformats.org/presentationml/2006/main">
+  <p:cSld>
+    <p:spTree>
+      <p:nvGrpSpPr>
+        <p:cNvPr id="1" name=""/>
+        <p:cNvGrpSpPr/>
+        <p:nvPr/>
+      </p:nvGrpSpPr>
+      <p:grpSpPr>
+        <a:xfrm>
+          <a:off x="0" y="0"/>
+          <a:ext cx="0" cy="0"/>
+          <a:chOff x="0" y="0"/>
+          <a:chExt cx="0" cy="0"/>
+        </a:xfrm>
+      </p:grpSpPr>
+      <p:sp>
+        <p:nvSpPr>
+          <p:cNvPr id="2" name="Titel 1">
+            <a:extLst>
+              <a:ext uri="{FF2B5EF4-FFF2-40B4-BE49-F238E27FC236}">
+                <a16:creationId xmlns:a16="http://schemas.microsoft.com/office/drawing/2014/main" id="{88EB8115-F071-4198-BF37-2BEAF63C88BC}"/>
+              </a:ext>
+            </a:extLst>
+          </p:cNvPr>
+          <p:cNvSpPr>
+            <a:spLocks noGrp="1"/>
+          </p:cNvSpPr>
+          <p:nvPr>
+            <p:ph type="title"/>
+          </p:nvPr>
+        </p:nvSpPr>
+        <p:spPr/>
+        <p:txBody>
+          <a:bodyPr/>
+          <a:lstStyle/>
+          <a:p>
+            <a:r>
+              <a:rPr lang="de-DE" dirty="0" err="1"/>
+              <a:t>Continuous</a:t>
+            </a:r>
+            <a:r>
+              <a:rPr lang="de-DE" dirty="0"/>
+              <a:t> Integration</a:t>
+            </a:r>
+          </a:p>
+        </p:txBody>
+      </p:sp>
+      <p:pic>
+        <p:nvPicPr>
+          <p:cNvPr id="4" name="Grafik 3">
+            <a:extLst>
+              <a:ext uri="{FF2B5EF4-FFF2-40B4-BE49-F238E27FC236}">
+                <a16:creationId xmlns:a16="http://schemas.microsoft.com/office/drawing/2014/main" id="{3DF55F39-C960-4DE8-8EFB-22B30C4BAA12}"/>
+              </a:ext>
+            </a:extLst>
+          </p:cNvPr>
+          <p:cNvPicPr>
+            <a:picLocks noChangeAspect="1"/>
+          </p:cNvPicPr>
+          <p:nvPr/>
+        </p:nvPicPr>
+        <p:blipFill>
+          <a:blip r:embed="rId2"/>
+          <a:stretch>
+            <a:fillRect/>
+          </a:stretch>
+        </p:blipFill>
+        <p:spPr>
+          <a:xfrm>
+            <a:off x="840237" y="2877421"/>
+            <a:ext cx="1512175" cy="1512175"/>
+          </a:xfrm>
+          <a:prstGeom prst="rect">
+            <a:avLst/>
+          </a:prstGeom>
+        </p:spPr>
+      </p:pic>
+      <p:pic>
+        <p:nvPicPr>
+          <p:cNvPr id="6" name="Grafik 5">
+            <a:extLst>
+              <a:ext uri="{FF2B5EF4-FFF2-40B4-BE49-F238E27FC236}">
+                <a16:creationId xmlns:a16="http://schemas.microsoft.com/office/drawing/2014/main" id="{96700247-B7A7-471A-9B55-75EB90934587}"/>
+              </a:ext>
+            </a:extLst>
+          </p:cNvPr>
+          <p:cNvPicPr>
+            <a:picLocks noChangeAspect="1"/>
+          </p:cNvPicPr>
+          <p:nvPr/>
+        </p:nvPicPr>
+        <p:blipFill>
+          <a:blip r:embed="rId3"/>
+          <a:stretch>
+            <a:fillRect/>
+          </a:stretch>
+        </p:blipFill>
+        <p:spPr>
+          <a:xfrm>
+            <a:off x="4641297" y="3203639"/>
+            <a:ext cx="2599217" cy="859741"/>
+          </a:xfrm>
+          <a:prstGeom prst="rect">
+            <a:avLst/>
+          </a:prstGeom>
+        </p:spPr>
+      </p:pic>
+      <p:pic>
+        <p:nvPicPr>
+          <p:cNvPr id="8" name="Grafik 7">
+            <a:extLst>
+              <a:ext uri="{FF2B5EF4-FFF2-40B4-BE49-F238E27FC236}">
+                <a16:creationId xmlns:a16="http://schemas.microsoft.com/office/drawing/2014/main" id="{850045EB-575D-4AD7-8A95-4548FA96BD79}"/>
+              </a:ext>
+            </a:extLst>
+          </p:cNvPr>
+          <p:cNvPicPr>
+            <a:picLocks noChangeAspect="1"/>
+          </p:cNvPicPr>
+          <p:nvPr/>
+        </p:nvPicPr>
+        <p:blipFill>
+          <a:blip r:embed="rId4"/>
+          <a:stretch>
+            <a:fillRect/>
+          </a:stretch>
+        </p:blipFill>
+        <p:spPr>
+          <a:xfrm>
+            <a:off x="9333168" y="2761053"/>
+            <a:ext cx="1801972" cy="1744910"/>
+          </a:xfrm>
+          <a:prstGeom prst="rect">
+            <a:avLst/>
+          </a:prstGeom>
+        </p:spPr>
+      </p:pic>
+      <p:pic>
+        <p:nvPicPr>
+          <p:cNvPr id="10" name="Grafik 9">
+            <a:extLst>
+              <a:ext uri="{FF2B5EF4-FFF2-40B4-BE49-F238E27FC236}">
+                <a16:creationId xmlns:a16="http://schemas.microsoft.com/office/drawing/2014/main" id="{DFD9EA7F-D69E-43B4-B7A6-4388F0C6C186}"/>
+              </a:ext>
+            </a:extLst>
+          </p:cNvPr>
+          <p:cNvPicPr>
+            <a:picLocks noChangeAspect="1"/>
+          </p:cNvPicPr>
+          <p:nvPr/>
+        </p:nvPicPr>
+        <p:blipFill>
+          <a:blip r:embed="rId5"/>
+          <a:stretch>
+            <a:fillRect/>
+          </a:stretch>
+        </p:blipFill>
+        <p:spPr>
+          <a:xfrm>
+            <a:off x="6687249" y="5234281"/>
+            <a:ext cx="3546905" cy="1083576"/>
+          </a:xfrm>
+          <a:prstGeom prst="rect">
+            <a:avLst/>
+          </a:prstGeom>
+        </p:spPr>
+      </p:pic>
+      <p:pic>
+        <p:nvPicPr>
+          <p:cNvPr id="12" name="Grafik 11">
+            <a:extLst>
+              <a:ext uri="{FF2B5EF4-FFF2-40B4-BE49-F238E27FC236}">
+                <a16:creationId xmlns:a16="http://schemas.microsoft.com/office/drawing/2014/main" id="{54592493-4D44-49FD-8FFE-74C6E8D83459}"/>
+              </a:ext>
+            </a:extLst>
+          </p:cNvPr>
+          <p:cNvPicPr>
+            <a:picLocks noChangeAspect="1"/>
+          </p:cNvPicPr>
+          <p:nvPr/>
+        </p:nvPicPr>
+        <p:blipFill>
+          <a:blip r:embed="rId6"/>
+          <a:stretch>
+            <a:fillRect/>
+          </a:stretch>
+        </p:blipFill>
+        <p:spPr>
+          <a:xfrm>
+            <a:off x="2529935" y="4976187"/>
+            <a:ext cx="1902631" cy="1599763"/>
+          </a:xfrm>
+          <a:prstGeom prst="rect">
+            <a:avLst/>
+          </a:prstGeom>
+        </p:spPr>
+      </p:pic>
+      <p:cxnSp>
+        <p:nvCxnSpPr>
+          <p:cNvPr id="14" name="Gerade Verbindung mit Pfeil 13">
+            <a:extLst>
+              <a:ext uri="{FF2B5EF4-FFF2-40B4-BE49-F238E27FC236}">
+                <a16:creationId xmlns:a16="http://schemas.microsoft.com/office/drawing/2014/main" id="{23ED18CF-E2D0-4561-B28A-ED3D89689789}"/>
+              </a:ext>
+            </a:extLst>
+          </p:cNvPr>
+          <p:cNvCxnSpPr>
+            <a:stCxn id="4" idx="3"/>
+          </p:cNvCxnSpPr>
+          <p:nvPr/>
+        </p:nvCxnSpPr>
+        <p:spPr>
+          <a:xfrm flipV="1">
+            <a:off x="2352412" y="3633508"/>
+            <a:ext cx="2080154" cy="1"/>
+          </a:xfrm>
+          <a:prstGeom prst="straightConnector1">
+            <a:avLst/>
+          </a:prstGeom>
+          <a:ln>
+            <a:tailEnd type="triangle"/>
+          </a:ln>
+        </p:spPr>
+        <p:style>
+          <a:lnRef idx="1">
+            <a:schemeClr val="accent1"/>
+          </a:lnRef>
+          <a:fillRef idx="0">
+            <a:schemeClr val="accent1"/>
+          </a:fillRef>
+          <a:effectRef idx="0">
+            <a:schemeClr val="accent1"/>
+          </a:effectRef>
+          <a:fontRef idx="minor">
+            <a:schemeClr val="tx1"/>
+          </a:fontRef>
+        </p:style>
+      </p:cxnSp>
+      <p:cxnSp>
+        <p:nvCxnSpPr>
+          <p:cNvPr id="16" name="Gerade Verbindung mit Pfeil 15">
+            <a:extLst>
+              <a:ext uri="{FF2B5EF4-FFF2-40B4-BE49-F238E27FC236}">
+                <a16:creationId xmlns:a16="http://schemas.microsoft.com/office/drawing/2014/main" id="{57430738-A6E7-4A70-B09F-7A3C148F3FCF}"/>
+              </a:ext>
+            </a:extLst>
+          </p:cNvPr>
+          <p:cNvCxnSpPr>
+            <a:endCxn id="8" idx="1"/>
+          </p:cNvCxnSpPr>
+          <p:nvPr/>
+        </p:nvCxnSpPr>
+        <p:spPr>
+          <a:xfrm>
+            <a:off x="7524925" y="3633508"/>
+            <a:ext cx="1808243" cy="0"/>
+          </a:xfrm>
+          <a:prstGeom prst="straightConnector1">
+            <a:avLst/>
+          </a:prstGeom>
+          <a:ln>
+            <a:tailEnd type="triangle"/>
+          </a:ln>
+        </p:spPr>
+        <p:style>
+          <a:lnRef idx="1">
+            <a:schemeClr val="accent1"/>
+          </a:lnRef>
+          <a:fillRef idx="0">
+            <a:schemeClr val="accent1"/>
+          </a:fillRef>
+          <a:effectRef idx="0">
+            <a:schemeClr val="accent1"/>
+          </a:effectRef>
+          <a:fontRef idx="minor">
+            <a:schemeClr val="tx1"/>
+          </a:fontRef>
+        </p:style>
+      </p:cxnSp>
+      <p:cxnSp>
+        <p:nvCxnSpPr>
+          <p:cNvPr id="17" name="Gerade Verbindung mit Pfeil 16">
+            <a:extLst>
+              <a:ext uri="{FF2B5EF4-FFF2-40B4-BE49-F238E27FC236}">
+                <a16:creationId xmlns:a16="http://schemas.microsoft.com/office/drawing/2014/main" id="{1A3E3A06-81F2-404E-8122-67D84CB3B961}"/>
+              </a:ext>
+            </a:extLst>
+          </p:cNvPr>
+          <p:cNvCxnSpPr>
+            <a:cxnSpLocks/>
+          </p:cNvCxnSpPr>
+          <p:nvPr/>
+        </p:nvCxnSpPr>
+        <p:spPr>
+          <a:xfrm flipH="1">
+            <a:off x="9333168" y="4505963"/>
+            <a:ext cx="583199" cy="728318"/>
+          </a:xfrm>
+          <a:prstGeom prst="straightConnector1">
+            <a:avLst/>
+          </a:prstGeom>
+          <a:ln>
+            <a:tailEnd type="triangle"/>
+          </a:ln>
+        </p:spPr>
+        <p:style>
+          <a:lnRef idx="1">
+            <a:schemeClr val="accent1"/>
+          </a:lnRef>
+          <a:fillRef idx="0">
+            <a:schemeClr val="accent1"/>
+          </a:fillRef>
+          <a:effectRef idx="0">
+            <a:schemeClr val="accent1"/>
+          </a:effectRef>
+          <a:fontRef idx="minor">
+            <a:schemeClr val="tx1"/>
+          </a:fontRef>
+        </p:style>
+      </p:cxnSp>
+      <p:cxnSp>
+        <p:nvCxnSpPr>
+          <p:cNvPr id="20" name="Gerade Verbindung mit Pfeil 19">
+            <a:extLst>
+              <a:ext uri="{FF2B5EF4-FFF2-40B4-BE49-F238E27FC236}">
+                <a16:creationId xmlns:a16="http://schemas.microsoft.com/office/drawing/2014/main" id="{07D02AF4-82D5-4B5E-A676-8224204A02CC}"/>
+              </a:ext>
+            </a:extLst>
+          </p:cNvPr>
+          <p:cNvCxnSpPr>
+            <a:cxnSpLocks/>
+          </p:cNvCxnSpPr>
+          <p:nvPr/>
+        </p:nvCxnSpPr>
+        <p:spPr>
+          <a:xfrm flipH="1">
+            <a:off x="4521667" y="4063380"/>
+            <a:ext cx="4714612" cy="1601662"/>
+          </a:xfrm>
+          <a:prstGeom prst="straightConnector1">
+            <a:avLst/>
+          </a:prstGeom>
+          <a:ln>
+            <a:tailEnd type="triangle"/>
+          </a:ln>
+        </p:spPr>
+        <p:style>
+          <a:lnRef idx="1">
+            <a:schemeClr val="accent1"/>
+          </a:lnRef>
+          <a:fillRef idx="0">
+            <a:schemeClr val="accent1"/>
+          </a:fillRef>
+          <a:effectRef idx="0">
+            <a:schemeClr val="accent1"/>
+          </a:effectRef>
+          <a:fontRef idx="minor">
+            <a:schemeClr val="tx1"/>
+          </a:fontRef>
+        </p:style>
+      </p:cxnSp>
+      <p:sp>
+        <p:nvSpPr>
+          <p:cNvPr id="24" name="Textfeld 23">
+            <a:extLst>
+              <a:ext uri="{FF2B5EF4-FFF2-40B4-BE49-F238E27FC236}">
+                <a16:creationId xmlns:a16="http://schemas.microsoft.com/office/drawing/2014/main" id="{10068AAB-ACD9-4119-AB2B-B422DB4DDE3E}"/>
+              </a:ext>
+            </a:extLst>
+          </p:cNvPr>
+          <p:cNvSpPr txBox="1"/>
+          <p:nvPr/>
+        </p:nvSpPr>
+        <p:spPr>
+          <a:xfrm>
+            <a:off x="2352412" y="3160518"/>
+            <a:ext cx="1740061" cy="369332"/>
+          </a:xfrm>
+          <a:prstGeom prst="rect">
+            <a:avLst/>
+          </a:prstGeom>
+          <a:noFill/>
+        </p:spPr>
+        <p:txBody>
+          <a:bodyPr wrap="square" rtlCol="0">
+            <a:spAutoFit/>
+          </a:bodyPr>
+          <a:lstStyle/>
+          <a:p>
+            <a:r>
+              <a:rPr lang="de-DE" dirty="0"/>
+              <a:t>Development</a:t>
+            </a:r>
+          </a:p>
+        </p:txBody>
+      </p:sp>
+      <p:sp>
+        <p:nvSpPr>
+          <p:cNvPr id="26" name="Textfeld 25">
+            <a:extLst>
+              <a:ext uri="{FF2B5EF4-FFF2-40B4-BE49-F238E27FC236}">
+                <a16:creationId xmlns:a16="http://schemas.microsoft.com/office/drawing/2014/main" id="{27094394-30D6-4946-8EB0-121298F147CF}"/>
+              </a:ext>
+            </a:extLst>
+          </p:cNvPr>
+          <p:cNvSpPr txBox="1"/>
+          <p:nvPr/>
+        </p:nvSpPr>
+        <p:spPr>
+          <a:xfrm>
+            <a:off x="7742272" y="3160518"/>
+            <a:ext cx="2010394" cy="369332"/>
+          </a:xfrm>
+          <a:prstGeom prst="rect">
+            <a:avLst/>
+          </a:prstGeom>
+          <a:noFill/>
+        </p:spPr>
+        <p:txBody>
+          <a:bodyPr wrap="square" rtlCol="0">
+            <a:spAutoFit/>
+          </a:bodyPr>
+          <a:lstStyle/>
+          <a:p>
+            <a:r>
+              <a:rPr lang="de-DE" dirty="0"/>
+              <a:t>Trigger</a:t>
+            </a:r>
+          </a:p>
+        </p:txBody>
+      </p:sp>
+      <p:sp>
+        <p:nvSpPr>
+          <p:cNvPr id="27" name="Textfeld 26">
+            <a:extLst>
+              <a:ext uri="{FF2B5EF4-FFF2-40B4-BE49-F238E27FC236}">
+                <a16:creationId xmlns:a16="http://schemas.microsoft.com/office/drawing/2014/main" id="{FCB2EF72-124F-46E4-BE7C-F3658415AE9E}"/>
+              </a:ext>
+            </a:extLst>
+          </p:cNvPr>
+          <p:cNvSpPr txBox="1"/>
+          <p:nvPr/>
+        </p:nvSpPr>
+        <p:spPr>
+          <a:xfrm>
+            <a:off x="9916367" y="4665069"/>
+            <a:ext cx="2010394" cy="369332"/>
+          </a:xfrm>
+          <a:prstGeom prst="rect">
+            <a:avLst/>
+          </a:prstGeom>
+          <a:noFill/>
+        </p:spPr>
+        <p:txBody>
+          <a:bodyPr wrap="square" rtlCol="0">
+            <a:spAutoFit/>
+          </a:bodyPr>
+          <a:lstStyle/>
+          <a:p>
+            <a:r>
+              <a:rPr lang="de-DE" dirty="0" err="1"/>
+              <a:t>Testing</a:t>
+            </a:r>
+            <a:endParaRPr lang="de-DE" dirty="0"/>
+          </a:p>
+        </p:txBody>
+      </p:sp>
+      <p:sp>
+        <p:nvSpPr>
+          <p:cNvPr id="28" name="Textfeld 27">
+            <a:extLst>
+              <a:ext uri="{FF2B5EF4-FFF2-40B4-BE49-F238E27FC236}">
+                <a16:creationId xmlns:a16="http://schemas.microsoft.com/office/drawing/2014/main" id="{5C939092-07D5-47C4-8F54-74CA41FFDADD}"/>
+              </a:ext>
+            </a:extLst>
+          </p:cNvPr>
+          <p:cNvSpPr txBox="1"/>
+          <p:nvPr/>
+        </p:nvSpPr>
+        <p:spPr>
+          <a:xfrm rot="20456862">
+            <a:off x="5090804" y="4738455"/>
+            <a:ext cx="2010394" cy="369332"/>
+          </a:xfrm>
+          <a:prstGeom prst="rect">
+            <a:avLst/>
+          </a:prstGeom>
+          <a:noFill/>
+        </p:spPr>
+        <p:txBody>
+          <a:bodyPr wrap="square" rtlCol="0">
+            <a:spAutoFit/>
+          </a:bodyPr>
+          <a:lstStyle/>
+          <a:p>
+            <a:r>
+              <a:rPr lang="de-DE" dirty="0" err="1"/>
+              <a:t>Deployment</a:t>
+            </a:r>
+            <a:endParaRPr lang="de-DE" dirty="0"/>
+          </a:p>
+        </p:txBody>
+      </p:sp>
+    </p:spTree>
+    <p:extLst>
+      <p:ext uri="{BB962C8B-B14F-4D97-AF65-F5344CB8AC3E}">
+        <p14:creationId xmlns:p14="http://schemas.microsoft.com/office/powerpoint/2010/main" val="1105367612"/>
+      </p:ext>
+    </p:extLst>
+  </p:cSld>
+  <p:clrMapOvr>
+    <a:masterClrMapping/>
+  </p:clrMapOvr>
+</p:sld>
+</file>
+
+<file path=ppt/slides/slide14.xml><?xml version="1.0" encoding="utf-8"?>
+<p:sld xmlns:a="http://schemas.openxmlformats.org/drawingml/2006/main" xmlns:r="http://schemas.openxmlformats.org/officeDocument/2006/relationships" xmlns:p="http://schemas.openxmlformats.org/presentationml/2006/main">
+  <p:cSld>
+    <p:spTree>
+      <p:nvGrpSpPr>
+        <p:cNvPr id="1" name=""/>
+        <p:cNvGrpSpPr/>
+        <p:nvPr/>
+      </p:nvGrpSpPr>
+      <p:grpSpPr>
+        <a:xfrm>
+          <a:off x="0" y="0"/>
+          <a:ext cx="0" cy="0"/>
+          <a:chOff x="0" y="0"/>
+          <a:chExt cx="0" cy="0"/>
+        </a:xfrm>
+      </p:grpSpPr>
+      <p:sp>
+        <p:nvSpPr>
+          <p:cNvPr id="3" name="Titel 2">
+            <a:extLst>
+              <a:ext uri="{FF2B5EF4-FFF2-40B4-BE49-F238E27FC236}">
+                <a16:creationId xmlns:a16="http://schemas.microsoft.com/office/drawing/2014/main" id="{628D486C-582F-4A0B-9AC4-8267D5333B15}"/>
+              </a:ext>
+            </a:extLst>
+          </p:cNvPr>
+          <p:cNvSpPr>
+            <a:spLocks noGrp="1"/>
+          </p:cNvSpPr>
+          <p:nvPr>
+            <p:ph type="title"/>
+          </p:nvPr>
+        </p:nvSpPr>
+        <p:spPr/>
+        <p:txBody>
+          <a:bodyPr/>
+          <a:lstStyle/>
+          <a:p>
+            <a:r>
+              <a:rPr lang="de-DE" dirty="0" err="1"/>
+              <a:t>Continuous</a:t>
+            </a:r>
+            <a:r>
+              <a:rPr lang="de-DE" dirty="0"/>
+              <a:t> Integration</a:t>
+            </a:r>
+          </a:p>
+        </p:txBody>
+      </p:sp>
+      <p:sp>
+        <p:nvSpPr>
+          <p:cNvPr id="4" name="Inhaltsplatzhalter 3">
+            <a:extLst>
+              <a:ext uri="{FF2B5EF4-FFF2-40B4-BE49-F238E27FC236}">
+                <a16:creationId xmlns:a16="http://schemas.microsoft.com/office/drawing/2014/main" id="{4316AA16-25FE-4B2B-8DC5-53233034941B}"/>
+              </a:ext>
+            </a:extLst>
+          </p:cNvPr>
+          <p:cNvSpPr>
+            <a:spLocks noGrp="1"/>
+          </p:cNvSpPr>
+          <p:nvPr>
+            <p:ph idx="1"/>
+          </p:nvPr>
+        </p:nvSpPr>
+        <p:spPr/>
+        <p:txBody>
+          <a:bodyPr/>
+          <a:lstStyle/>
+          <a:p>
+            <a:r>
+              <a:rPr lang="de-DE" dirty="0"/>
+              <a:t>Version Control</a:t>
+            </a:r>
+          </a:p>
+          <a:p>
+            <a:pPr lvl="1"/>
+            <a:r>
+              <a:rPr lang="de-DE" dirty="0" err="1"/>
+              <a:t>Github</a:t>
+            </a:r>
+            <a:endParaRPr lang="de-DE" dirty="0"/>
+          </a:p>
+          <a:p>
+            <a:r>
+              <a:rPr lang="de-DE" dirty="0" err="1"/>
+              <a:t>Reproducible</a:t>
+            </a:r>
+            <a:r>
+              <a:rPr lang="de-DE" dirty="0"/>
+              <a:t> </a:t>
+            </a:r>
+            <a:r>
+              <a:rPr lang="de-DE" dirty="0" err="1"/>
+              <a:t>environment</a:t>
+            </a:r>
+            <a:endParaRPr lang="de-DE" dirty="0"/>
+          </a:p>
+          <a:p>
+            <a:pPr lvl="1"/>
+            <a:r>
+              <a:rPr lang="de-DE" dirty="0"/>
+              <a:t>Docker</a:t>
+            </a:r>
+          </a:p>
+          <a:p>
+            <a:r>
+              <a:rPr lang="de-DE" dirty="0" err="1"/>
+              <a:t>Testing</a:t>
+            </a:r>
+            <a:r>
+              <a:rPr lang="de-DE" dirty="0"/>
+              <a:t> and </a:t>
+            </a:r>
+            <a:r>
+              <a:rPr lang="de-DE" dirty="0" err="1"/>
+              <a:t>Continous</a:t>
+            </a:r>
+            <a:r>
+              <a:rPr lang="de-DE" dirty="0"/>
+              <a:t> Integration</a:t>
+            </a:r>
+          </a:p>
+          <a:p>
+            <a:pPr lvl="1"/>
+            <a:r>
+              <a:rPr lang="de-DE" dirty="0" err="1"/>
+              <a:t>Junit</a:t>
+            </a:r>
+            <a:r>
+              <a:rPr lang="de-DE" dirty="0"/>
+              <a:t> </a:t>
+            </a:r>
+          </a:p>
+          <a:p>
+            <a:pPr lvl="1"/>
+            <a:r>
+              <a:rPr lang="de-DE" dirty="0"/>
+              <a:t>Travis CI</a:t>
+            </a:r>
+          </a:p>
+        </p:txBody>
+      </p:sp>
+      <p:pic>
+        <p:nvPicPr>
+          <p:cNvPr id="5" name="Grafik 4">
+            <a:extLst>
+              <a:ext uri="{FF2B5EF4-FFF2-40B4-BE49-F238E27FC236}">
+                <a16:creationId xmlns:a16="http://schemas.microsoft.com/office/drawing/2014/main" id="{22252B3A-F5A7-42C3-973B-2C0FD5274DED}"/>
+              </a:ext>
+            </a:extLst>
+          </p:cNvPr>
+          <p:cNvPicPr>
+            <a:picLocks noChangeAspect="1"/>
+          </p:cNvPicPr>
+          <p:nvPr/>
+        </p:nvPicPr>
+        <p:blipFill>
+          <a:blip r:embed="rId2"/>
+          <a:stretch>
+            <a:fillRect/>
+          </a:stretch>
+        </p:blipFill>
+        <p:spPr>
+          <a:xfrm>
+            <a:off x="2923979" y="4893091"/>
+            <a:ext cx="423228" cy="409826"/>
+          </a:xfrm>
+          <a:prstGeom prst="rect">
+            <a:avLst/>
+          </a:prstGeom>
+        </p:spPr>
+      </p:pic>
+      <p:pic>
+        <p:nvPicPr>
+          <p:cNvPr id="6" name="Grafik 5">
+            <a:extLst>
+              <a:ext uri="{FF2B5EF4-FFF2-40B4-BE49-F238E27FC236}">
+                <a16:creationId xmlns:a16="http://schemas.microsoft.com/office/drawing/2014/main" id="{502BF6D1-3C6D-429F-8D55-F2C54E1AA581}"/>
+              </a:ext>
+            </a:extLst>
+          </p:cNvPr>
+          <p:cNvPicPr>
+            <a:picLocks noChangeAspect="1"/>
+          </p:cNvPicPr>
+          <p:nvPr/>
+        </p:nvPicPr>
+        <p:blipFill>
+          <a:blip r:embed="rId3"/>
+          <a:stretch>
+            <a:fillRect/>
+          </a:stretch>
+        </p:blipFill>
+        <p:spPr>
+          <a:xfrm>
+            <a:off x="2630151" y="4606919"/>
+            <a:ext cx="717056" cy="219060"/>
+          </a:xfrm>
+          <a:prstGeom prst="rect">
+            <a:avLst/>
+          </a:prstGeom>
+        </p:spPr>
+      </p:pic>
+      <p:pic>
+        <p:nvPicPr>
+          <p:cNvPr id="7" name="Grafik 6">
+            <a:extLst>
+              <a:ext uri="{FF2B5EF4-FFF2-40B4-BE49-F238E27FC236}">
+                <a16:creationId xmlns:a16="http://schemas.microsoft.com/office/drawing/2014/main" id="{14C1703C-2B55-4F68-B8A3-045D59F2BC8D}"/>
+              </a:ext>
+            </a:extLst>
+          </p:cNvPr>
+          <p:cNvPicPr>
+            <a:picLocks noChangeAspect="1"/>
+          </p:cNvPicPr>
+          <p:nvPr/>
+        </p:nvPicPr>
+        <p:blipFill>
+          <a:blip r:embed="rId4"/>
+          <a:stretch>
+            <a:fillRect/>
+          </a:stretch>
+        </p:blipFill>
+        <p:spPr>
+          <a:xfrm>
+            <a:off x="2764376" y="3741037"/>
+            <a:ext cx="492752" cy="414314"/>
+          </a:xfrm>
+          <a:prstGeom prst="rect">
+            <a:avLst/>
+          </a:prstGeom>
+        </p:spPr>
+      </p:pic>
+      <p:pic>
+        <p:nvPicPr>
+          <p:cNvPr id="8" name="Grafik 7">
+            <a:extLst>
+              <a:ext uri="{FF2B5EF4-FFF2-40B4-BE49-F238E27FC236}">
+                <a16:creationId xmlns:a16="http://schemas.microsoft.com/office/drawing/2014/main" id="{F62AA430-2610-4208-84ED-F21251D1CB9A}"/>
+              </a:ext>
+            </a:extLst>
+          </p:cNvPr>
+          <p:cNvPicPr>
+            <a:picLocks noChangeAspect="1"/>
+          </p:cNvPicPr>
+          <p:nvPr/>
+        </p:nvPicPr>
+        <p:blipFill>
+          <a:blip r:embed="rId5"/>
+          <a:stretch>
+            <a:fillRect/>
+          </a:stretch>
+        </p:blipFill>
+        <p:spPr>
+          <a:xfrm>
+            <a:off x="2764376" y="3013943"/>
+            <a:ext cx="803158" cy="265660"/>
+          </a:xfrm>
+          <a:prstGeom prst="rect">
+            <a:avLst/>
+          </a:prstGeom>
+        </p:spPr>
+      </p:pic>
+    </p:spTree>
+    <p:extLst>
+      <p:ext uri="{BB962C8B-B14F-4D97-AF65-F5344CB8AC3E}">
+        <p14:creationId xmlns:p14="http://schemas.microsoft.com/office/powerpoint/2010/main" val="613552779"/>
+      </p:ext>
+    </p:extLst>
+  </p:cSld>
+  <p:clrMapOvr>
+    <a:masterClrMapping/>
+  </p:clrMapOvr>
+</p:sld>
+</file>
+
+<file path=ppt/slides/slide15.xml><?xml version="1.0" encoding="utf-8"?>
+<p:sld xmlns:a="http://schemas.openxmlformats.org/drawingml/2006/main" xmlns:r="http://schemas.openxmlformats.org/officeDocument/2006/relationships" xmlns:p="http://schemas.openxmlformats.org/presentationml/2006/main">
+  <p:cSld>
+    <p:spTree>
+      <p:nvGrpSpPr>
+        <p:cNvPr id="1" name=""/>
+        <p:cNvGrpSpPr/>
+        <p:nvPr/>
+      </p:nvGrpSpPr>
+      <p:grpSpPr>
+        <a:xfrm>
+          <a:off x="0" y="0"/>
+          <a:ext cx="0" cy="0"/>
+          <a:chOff x="0" y="0"/>
+          <a:chExt cx="0" cy="0"/>
+        </a:xfrm>
+      </p:grpSpPr>
+      <p:sp>
+        <p:nvSpPr>
+          <p:cNvPr id="5" name="Titel 4">
+            <a:extLst>
+              <a:ext uri="{FF2B5EF4-FFF2-40B4-BE49-F238E27FC236}">
+                <a16:creationId xmlns:a16="http://schemas.microsoft.com/office/drawing/2014/main" id="{B54A513C-0F01-4BB9-A0D9-3461D71C781C}"/>
+              </a:ext>
+            </a:extLst>
+          </p:cNvPr>
+          <p:cNvSpPr>
+            <a:spLocks noGrp="1"/>
+          </p:cNvSpPr>
+          <p:nvPr>
+            <p:ph type="title"/>
+          </p:nvPr>
+        </p:nvSpPr>
+        <p:spPr/>
+        <p:txBody>
+          <a:bodyPr/>
+          <a:lstStyle/>
+          <a:p>
+            <a:r>
+              <a:rPr lang="de-DE" dirty="0"/>
+              <a:t>Risk Management</a:t>
+            </a:r>
+          </a:p>
+        </p:txBody>
+      </p:sp>
+      <p:sp>
+        <p:nvSpPr>
+          <p:cNvPr id="6" name="Inhaltsplatzhalter 5">
+            <a:extLst>
+              <a:ext uri="{FF2B5EF4-FFF2-40B4-BE49-F238E27FC236}">
+                <a16:creationId xmlns:a16="http://schemas.microsoft.com/office/drawing/2014/main" id="{958F9D80-03CF-4151-A9BA-305096A5AA51}"/>
+              </a:ext>
+            </a:extLst>
+          </p:cNvPr>
+          <p:cNvSpPr>
+            <a:spLocks noGrp="1"/>
+          </p:cNvSpPr>
+          <p:nvPr>
+            <p:ph idx="1"/>
+          </p:nvPr>
+        </p:nvSpPr>
+        <p:spPr>
+          <a:xfrm>
+            <a:off x="1154954" y="2371725"/>
+            <a:ext cx="8825659" cy="3648075"/>
+          </a:xfrm>
+        </p:spPr>
+        <p:txBody>
+          <a:bodyPr/>
+          <a:lstStyle/>
+          <a:p>
+            <a:endParaRPr lang="de-DE" dirty="0"/>
+          </a:p>
+        </p:txBody>
+      </p:sp>
+      <p:graphicFrame>
+        <p:nvGraphicFramePr>
+          <p:cNvPr id="9" name="Objekt 8">
+            <a:extLst>
+              <a:ext uri="{FF2B5EF4-FFF2-40B4-BE49-F238E27FC236}">
+                <a16:creationId xmlns:a16="http://schemas.microsoft.com/office/drawing/2014/main" id="{3883661F-B844-48F9-9C27-ECAABA74B85B}"/>
+              </a:ext>
+            </a:extLst>
+          </p:cNvPr>
+          <p:cNvGraphicFramePr>
+            <a:graphicFrameLocks noChangeAspect="1"/>
+          </p:cNvGraphicFramePr>
+          <p:nvPr>
+            <p:extLst>
+              <p:ext uri="{D42A27DB-BD31-4B8C-83A1-F6EECF244321}">
+                <p14:modId xmlns:p14="http://schemas.microsoft.com/office/powerpoint/2010/main" val="1584824097"/>
+              </p:ext>
+            </p:extLst>
+          </p:nvPr>
+        </p:nvGraphicFramePr>
+        <p:xfrm>
+          <a:off x="1835150" y="1936871"/>
+          <a:ext cx="8521700" cy="4651253"/>
+        </p:xfrm>
+        <a:graphic>
+          <a:graphicData uri="http://schemas.openxmlformats.org/presentationml/2006/ole">
+            <mc:AlternateContent xmlns:mc="http://schemas.openxmlformats.org/markup-compatibility/2006">
+              <mc:Choice xmlns:v="urn:schemas-microsoft-com:vml" Requires="v">
+                <p:oleObj spid="_x0000_s1030" name="Worksheet" r:id="rId3" imgW="9667897" imgH="5276876" progId="Excel.Sheet.12">
+                  <p:embed/>
+                </p:oleObj>
+              </mc:Choice>
+              <mc:Fallback>
+                <p:oleObj name="Worksheet" r:id="rId3" imgW="9667897" imgH="5276876" progId="Excel.Sheet.12">
+                  <p:embed/>
+                  <p:pic>
+                    <p:nvPicPr>
+                      <p:cNvPr id="0" name=""/>
+                      <p:cNvPicPr/>
+                      <p:nvPr/>
+                    </p:nvPicPr>
+                    <p:blipFill>
+                      <a:blip r:embed="rId4"/>
+                      <a:stretch>
+                        <a:fillRect/>
+                      </a:stretch>
+                    </p:blipFill>
+                    <p:spPr>
+                      <a:xfrm>
+                        <a:off x="1835150" y="1936871"/>
+                        <a:ext cx="8521700" cy="4651253"/>
+                      </a:xfrm>
+                      <a:prstGeom prst="rect">
+                        <a:avLst/>
+                      </a:prstGeom>
+                    </p:spPr>
+                  </p:pic>
+                </p:oleObj>
+              </mc:Fallback>
+            </mc:AlternateContent>
+          </a:graphicData>
+        </a:graphic>
+      </p:graphicFrame>
+    </p:spTree>
+    <p:extLst>
+      <p:ext uri="{BB962C8B-B14F-4D97-AF65-F5344CB8AC3E}">
+        <p14:creationId xmlns:p14="http://schemas.microsoft.com/office/powerpoint/2010/main" val="112713607"/>
+      </p:ext>
+    </p:extLst>
+  </p:cSld>
+  <p:clrMapOvr>
+    <a:masterClrMapping/>
+  </p:clrMapOvr>
+</p:sld>
+</file>
+
+<file path=ppt/slides/slide16.xml><?xml version="1.0" encoding="utf-8"?>
+<p:sld xmlns:a="http://schemas.openxmlformats.org/drawingml/2006/main" xmlns:r="http://schemas.openxmlformats.org/officeDocument/2006/relationships" xmlns:p="http://schemas.openxmlformats.org/presentationml/2006/main">
+  <p:cSld>
+    <p:spTree>
+      <p:nvGrpSpPr>
+        <p:cNvPr id="1" name=""/>
+        <p:cNvGrpSpPr/>
+        <p:nvPr/>
+      </p:nvGrpSpPr>
+      <p:grpSpPr>
+        <a:xfrm>
+          <a:off x="0" y="0"/>
+          <a:ext cx="0" cy="0"/>
+          <a:chOff x="0" y="0"/>
+          <a:chExt cx="0" cy="0"/>
+        </a:xfrm>
+      </p:grpSpPr>
+      <p:sp>
+        <p:nvSpPr>
+          <p:cNvPr id="2" name="Titel 1">
+            <a:extLst>
+              <a:ext uri="{FF2B5EF4-FFF2-40B4-BE49-F238E27FC236}">
+                <a16:creationId xmlns:a16="http://schemas.microsoft.com/office/drawing/2014/main" id="{9B979D01-A2AD-4432-8E94-F857F30383D6}"/>
+              </a:ext>
+            </a:extLst>
+          </p:cNvPr>
+          <p:cNvSpPr>
+            <a:spLocks noGrp="1"/>
+          </p:cNvSpPr>
+          <p:nvPr>
+            <p:ph type="title"/>
+          </p:nvPr>
+        </p:nvSpPr>
+        <p:spPr/>
+        <p:txBody>
+          <a:bodyPr/>
+          <a:lstStyle/>
+          <a:p>
+            <a:r>
+              <a:rPr lang="de-DE" dirty="0"/>
+              <a:t>Architecture</a:t>
+            </a:r>
+          </a:p>
+        </p:txBody>
+      </p:sp>
+      <p:sp>
+        <p:nvSpPr>
+          <p:cNvPr id="3" name="Inhaltsplatzhalter 2">
+            <a:extLst>
+              <a:ext uri="{FF2B5EF4-FFF2-40B4-BE49-F238E27FC236}">
+                <a16:creationId xmlns:a16="http://schemas.microsoft.com/office/drawing/2014/main" id="{036AB4B0-DD41-4EDB-8532-FD1273362A23}"/>
+              </a:ext>
+            </a:extLst>
+          </p:cNvPr>
+          <p:cNvSpPr>
+            <a:spLocks noGrp="1"/>
+          </p:cNvSpPr>
+          <p:nvPr>
+            <p:ph idx="1"/>
+          </p:nvPr>
+        </p:nvSpPr>
+        <p:spPr/>
+        <p:txBody>
+          <a:bodyPr/>
+          <a:lstStyle/>
+          <a:p>
+            <a:r>
+              <a:rPr lang="de-DE" dirty="0" err="1"/>
+              <a:t>tbd</a:t>
+            </a:r>
+            <a:endParaRPr lang="de-DE" dirty="0"/>
+          </a:p>
+        </p:txBody>
+      </p:sp>
+    </p:spTree>
+    <p:extLst>
+      <p:ext uri="{BB962C8B-B14F-4D97-AF65-F5344CB8AC3E}">
+        <p14:creationId xmlns:p14="http://schemas.microsoft.com/office/powerpoint/2010/main" val="2252970092"/>
+      </p:ext>
+    </p:extLst>
+  </p:cSld>
+  <p:clrMapOvr>
+    <a:masterClrMapping/>
+  </p:clrMapOvr>
+</p:sld>
+</file>
+
+<file path=ppt/slides/slide17.xml><?xml version="1.0" encoding="utf-8"?>
+<p:sld xmlns:a="http://schemas.openxmlformats.org/drawingml/2006/main" xmlns:r="http://schemas.openxmlformats.org/officeDocument/2006/relationships" xmlns:p="http://schemas.openxmlformats.org/presentationml/2006/main">
+  <p:cSld>
+    <p:spTree>
+      <p:nvGrpSpPr>
+        <p:cNvPr id="1" name=""/>
+        <p:cNvGrpSpPr/>
+        <p:nvPr/>
+      </p:nvGrpSpPr>
+      <p:grpSpPr>
+        <a:xfrm>
+          <a:off x="0" y="0"/>
+          <a:ext cx="0" cy="0"/>
+          <a:chOff x="0" y="0"/>
+          <a:chExt cx="0" cy="0"/>
+        </a:xfrm>
+      </p:grpSpPr>
+      <p:sp>
+        <p:nvSpPr>
+          <p:cNvPr id="2" name="Titel 1">
+            <a:extLst>
+              <a:ext uri="{FF2B5EF4-FFF2-40B4-BE49-F238E27FC236}">
+                <a16:creationId xmlns:a16="http://schemas.microsoft.com/office/drawing/2014/main" id="{D97C2641-283D-4B0E-BC0A-B086C3674A09}"/>
+              </a:ext>
+            </a:extLst>
+          </p:cNvPr>
+          <p:cNvSpPr>
+            <a:spLocks noGrp="1"/>
+          </p:cNvSpPr>
+          <p:nvPr>
+            <p:ph type="title"/>
+          </p:nvPr>
+        </p:nvSpPr>
+        <p:spPr/>
+        <p:txBody>
+          <a:bodyPr/>
+          <a:lstStyle/>
+          <a:p>
+            <a:r>
+              <a:rPr lang="de-DE" dirty="0"/>
+              <a:t>Travis CI</a:t>
+            </a:r>
+          </a:p>
+        </p:txBody>
+      </p:sp>
+      <p:pic>
+        <p:nvPicPr>
+          <p:cNvPr id="4" name="Inhaltsplatzhalter 3">
+            <a:extLst>
+              <a:ext uri="{FF2B5EF4-FFF2-40B4-BE49-F238E27FC236}">
+                <a16:creationId xmlns:a16="http://schemas.microsoft.com/office/drawing/2014/main" id="{36B66915-4496-4EBA-9B45-1D9FBE423EED}"/>
+              </a:ext>
+            </a:extLst>
+          </p:cNvPr>
+          <p:cNvPicPr>
+            <a:picLocks noGrp="1" noChangeAspect="1"/>
+          </p:cNvPicPr>
+          <p:nvPr>
+            <p:ph idx="1"/>
+          </p:nvPr>
+        </p:nvPicPr>
+        <p:blipFill>
+          <a:blip r:embed="rId2"/>
+          <a:stretch>
+            <a:fillRect/>
+          </a:stretch>
+        </p:blipFill>
+        <p:spPr>
+          <a:xfrm>
+            <a:off x="2736303" y="2326777"/>
+            <a:ext cx="6921003" cy="4174691"/>
+          </a:xfrm>
+          <a:prstGeom prst="rect">
+            <a:avLst/>
+          </a:prstGeom>
+        </p:spPr>
+      </p:pic>
+    </p:spTree>
+    <p:extLst>
+      <p:ext uri="{BB962C8B-B14F-4D97-AF65-F5344CB8AC3E}">
+        <p14:creationId xmlns:p14="http://schemas.microsoft.com/office/powerpoint/2010/main" val="1584710679"/>
+      </p:ext>
+    </p:extLst>
+  </p:cSld>
+  <p:clrMapOvr>
+    <a:masterClrMapping/>
+  </p:clrMapOvr>
+</p:sld>
+</file>
+
+<file path=ppt/slides/slide18.xml><?xml version="1.0" encoding="utf-8"?>
+<p:sld xmlns:a="http://schemas.openxmlformats.org/drawingml/2006/main" xmlns:r="http://schemas.openxmlformats.org/officeDocument/2006/relationships" xmlns:p="http://schemas.openxmlformats.org/presentationml/2006/main">
+  <p:cSld>
+    <p:spTree>
+      <p:nvGrpSpPr>
+        <p:cNvPr id="1" name=""/>
+        <p:cNvGrpSpPr/>
+        <p:nvPr/>
+      </p:nvGrpSpPr>
+      <p:grpSpPr>
+        <a:xfrm>
+          <a:off x="0" y="0"/>
+          <a:ext cx="0" cy="0"/>
+          <a:chOff x="0" y="0"/>
+          <a:chExt cx="0" cy="0"/>
+        </a:xfrm>
+      </p:grpSpPr>
+      <p:sp>
+        <p:nvSpPr>
+          <p:cNvPr id="2" name="Titel 1">
+            <a:extLst>
+              <a:ext uri="{FF2B5EF4-FFF2-40B4-BE49-F238E27FC236}">
+                <a16:creationId xmlns:a16="http://schemas.microsoft.com/office/drawing/2014/main" id="{1B9F3156-876D-4A64-8AB2-1F1D852CCD42}"/>
+              </a:ext>
+            </a:extLst>
+          </p:cNvPr>
+          <p:cNvSpPr>
+            <a:spLocks noGrp="1"/>
+          </p:cNvSpPr>
+          <p:nvPr>
+            <p:ph type="title"/>
+          </p:nvPr>
+        </p:nvSpPr>
+        <p:spPr/>
+        <p:txBody>
+          <a:bodyPr/>
+          <a:lstStyle/>
+          <a:p>
+            <a:r>
+              <a:rPr lang="de-DE" dirty="0" err="1"/>
+              <a:t>Metrics</a:t>
+            </a:r>
+            <a:endParaRPr lang="de-DE" dirty="0"/>
+          </a:p>
+        </p:txBody>
+      </p:sp>
+      <p:pic>
+        <p:nvPicPr>
+          <p:cNvPr id="4" name="Grafik 3">
+            <a:extLst>
+              <a:ext uri="{FF2B5EF4-FFF2-40B4-BE49-F238E27FC236}">
+                <a16:creationId xmlns:a16="http://schemas.microsoft.com/office/drawing/2014/main" id="{E2589018-CD23-4A43-A4AE-A40DDA34FB0F}"/>
+              </a:ext>
+            </a:extLst>
+          </p:cNvPr>
+          <p:cNvPicPr>
+            <a:picLocks noChangeAspect="1"/>
+          </p:cNvPicPr>
+          <p:nvPr/>
+        </p:nvPicPr>
+        <p:blipFill>
+          <a:blip r:embed="rId2"/>
+          <a:stretch>
+            <a:fillRect/>
+          </a:stretch>
+        </p:blipFill>
+        <p:spPr>
+          <a:xfrm>
+            <a:off x="1314344" y="2272892"/>
+            <a:ext cx="8207161" cy="4191167"/>
+          </a:xfrm>
+          <a:prstGeom prst="rect">
+            <a:avLst/>
+          </a:prstGeom>
+        </p:spPr>
+      </p:pic>
+    </p:spTree>
+    <p:extLst>
+      <p:ext uri="{BB962C8B-B14F-4D97-AF65-F5344CB8AC3E}">
+        <p14:creationId xmlns:p14="http://schemas.microsoft.com/office/powerpoint/2010/main" val="2355624231"/>
+      </p:ext>
+    </p:extLst>
+  </p:cSld>
+  <p:clrMapOvr>
+    <a:masterClrMapping/>
+  </p:clrMapOvr>
+</p:sld>
+</file>
+
+<file path=ppt/slides/slide19.xml><?xml version="1.0" encoding="utf-8"?>
+<p:sld xmlns:a="http://schemas.openxmlformats.org/drawingml/2006/main" xmlns:r="http://schemas.openxmlformats.org/officeDocument/2006/relationships" xmlns:p="http://schemas.openxmlformats.org/presentationml/2006/main">
+  <p:cSld>
+    <p:spTree>
+      <p:nvGrpSpPr>
+        <p:cNvPr id="1" name=""/>
+        <p:cNvGrpSpPr/>
+        <p:nvPr/>
+      </p:nvGrpSpPr>
+      <p:grpSpPr>
+        <a:xfrm>
+          <a:off x="0" y="0"/>
+          <a:ext cx="0" cy="0"/>
+          <a:chOff x="0" y="0"/>
+          <a:chExt cx="0" cy="0"/>
+        </a:xfrm>
+      </p:grpSpPr>
+      <p:sp>
+        <p:nvSpPr>
+          <p:cNvPr id="6" name="Titel 5">
+            <a:extLst>
+              <a:ext uri="{FF2B5EF4-FFF2-40B4-BE49-F238E27FC236}">
+                <a16:creationId xmlns:a16="http://schemas.microsoft.com/office/drawing/2014/main" id="{E3F55FBF-B164-46DE-805F-2D69CA5C79B4}"/>
+              </a:ext>
+            </a:extLst>
+          </p:cNvPr>
+          <p:cNvSpPr>
+            <a:spLocks noGrp="1"/>
+          </p:cNvSpPr>
+          <p:nvPr>
+            <p:ph type="title"/>
+          </p:nvPr>
+        </p:nvSpPr>
+        <p:spPr/>
+        <p:txBody>
+          <a:bodyPr/>
+          <a:lstStyle/>
+          <a:p>
+            <a:r>
+              <a:rPr lang="de-DE" dirty="0"/>
+              <a:t>ERM-Model</a:t>
+            </a:r>
+          </a:p>
+        </p:txBody>
+      </p:sp>
+      <p:pic>
+        <p:nvPicPr>
+          <p:cNvPr id="5" name="Inhaltsplatzhalter 4">
+            <a:extLst>
+              <a:ext uri="{FF2B5EF4-FFF2-40B4-BE49-F238E27FC236}">
+                <a16:creationId xmlns:a16="http://schemas.microsoft.com/office/drawing/2014/main" id="{977D93D3-8E41-49A9-9BD7-64DFF11096EA}"/>
+              </a:ext>
+            </a:extLst>
+          </p:cNvPr>
+          <p:cNvPicPr>
+            <a:picLocks noGrp="1" noChangeAspect="1"/>
+          </p:cNvPicPr>
+          <p:nvPr>
+            <p:ph idx="4294967295"/>
+          </p:nvPr>
+        </p:nvPicPr>
+        <p:blipFill>
+          <a:blip r:embed="rId2"/>
+          <a:stretch>
+            <a:fillRect/>
+          </a:stretch>
+        </p:blipFill>
+        <p:spPr>
+          <a:xfrm>
+            <a:off x="503339" y="2222212"/>
+            <a:ext cx="8036654" cy="4635788"/>
+          </a:xfrm>
+        </p:spPr>
+      </p:pic>
+    </p:spTree>
+    <p:extLst>
+      <p:ext uri="{BB962C8B-B14F-4D97-AF65-F5344CB8AC3E}">
+        <p14:creationId xmlns:p14="http://schemas.microsoft.com/office/powerpoint/2010/main" val="116056667"/>
+      </p:ext>
+    </p:extLst>
+  </p:cSld>
+  <p:clrMapOvr>
+    <a:masterClrMapping/>
+  </p:clrMapOvr>
+</p:sld>
+</file>
+
 <file path=ppt/slides/slide2.xml><?xml version="1.0" encoding="utf-8"?>
 <p:sld xmlns:a="http://schemas.openxmlformats.org/drawingml/2006/main" xmlns:r="http://schemas.openxmlformats.org/officeDocument/2006/relationships" xmlns:p="http://schemas.openxmlformats.org/presentationml/2006/main">
   <p:cSld>
@@ -13443,6 +15206,10 @@
           <a:bodyPr/>
           <a:lstStyle/>
           <a:p>
+            <a:r>
+              <a:rPr lang="de-DE" dirty="0" err="1"/>
+              <a:t>mbd</a:t>
+            </a:r>
             <a:endParaRPr lang="de-DE" dirty="0"/>
           </a:p>
         </p:txBody>
@@ -13460,7 +15227,492 @@
 </p:sld>
 </file>
 
+<file path=ppt/slides/slide20.xml><?xml version="1.0" encoding="utf-8"?>
+<p:sld xmlns:a="http://schemas.openxmlformats.org/drawingml/2006/main" xmlns:r="http://schemas.openxmlformats.org/officeDocument/2006/relationships" xmlns:p="http://schemas.openxmlformats.org/presentationml/2006/main">
+  <p:cSld>
+    <p:spTree>
+      <p:nvGrpSpPr>
+        <p:cNvPr id="1" name=""/>
+        <p:cNvGrpSpPr/>
+        <p:nvPr/>
+      </p:nvGrpSpPr>
+      <p:grpSpPr>
+        <a:xfrm>
+          <a:off x="0" y="0"/>
+          <a:ext cx="0" cy="0"/>
+          <a:chOff x="0" y="0"/>
+          <a:chExt cx="0" cy="0"/>
+        </a:xfrm>
+      </p:grpSpPr>
+      <p:sp>
+        <p:nvSpPr>
+          <p:cNvPr id="2" name="Titel 1">
+            <a:extLst>
+              <a:ext uri="{FF2B5EF4-FFF2-40B4-BE49-F238E27FC236}">
+                <a16:creationId xmlns:a16="http://schemas.microsoft.com/office/drawing/2014/main" id="{1059DA3D-B732-4BF0-877B-0F87519C9220}"/>
+              </a:ext>
+            </a:extLst>
+          </p:cNvPr>
+          <p:cNvSpPr>
+            <a:spLocks noGrp="1"/>
+          </p:cNvSpPr>
+          <p:nvPr>
+            <p:ph type="title"/>
+          </p:nvPr>
+        </p:nvSpPr>
+        <p:spPr/>
+        <p:txBody>
+          <a:bodyPr/>
+          <a:lstStyle/>
+          <a:p>
+            <a:r>
+              <a:rPr lang="de-DE" dirty="0"/>
+              <a:t>Live Demo</a:t>
+            </a:r>
+          </a:p>
+        </p:txBody>
+      </p:sp>
+      <p:pic>
+        <p:nvPicPr>
+          <p:cNvPr id="4" name="Grafik 3">
+            <a:extLst>
+              <a:ext uri="{FF2B5EF4-FFF2-40B4-BE49-F238E27FC236}">
+                <a16:creationId xmlns:a16="http://schemas.microsoft.com/office/drawing/2014/main" id="{F3E7F227-5113-425D-8F53-609941FB5908}"/>
+              </a:ext>
+            </a:extLst>
+          </p:cNvPr>
+          <p:cNvPicPr>
+            <a:picLocks noChangeAspect="1"/>
+          </p:cNvPicPr>
+          <p:nvPr/>
+        </p:nvPicPr>
+        <p:blipFill>
+          <a:blip r:embed="rId2"/>
+          <a:stretch>
+            <a:fillRect/>
+          </a:stretch>
+        </p:blipFill>
+        <p:spPr>
+          <a:xfrm>
+            <a:off x="2692866" y="2608977"/>
+            <a:ext cx="6972182" cy="3921852"/>
+          </a:xfrm>
+          <a:prstGeom prst="rect">
+            <a:avLst/>
+          </a:prstGeom>
+        </p:spPr>
+      </p:pic>
+    </p:spTree>
+    <p:extLst>
+      <p:ext uri="{BB962C8B-B14F-4D97-AF65-F5344CB8AC3E}">
+        <p14:creationId xmlns:p14="http://schemas.microsoft.com/office/powerpoint/2010/main" val="4229119720"/>
+      </p:ext>
+    </p:extLst>
+  </p:cSld>
+  <p:clrMapOvr>
+    <a:masterClrMapping/>
+  </p:clrMapOvr>
+</p:sld>
+</file>
+
+<file path=ppt/slides/slide21.xml><?xml version="1.0" encoding="utf-8"?>
+<p:sld xmlns:a="http://schemas.openxmlformats.org/drawingml/2006/main" xmlns:r="http://schemas.openxmlformats.org/officeDocument/2006/relationships" xmlns:p="http://schemas.openxmlformats.org/presentationml/2006/main">
+  <p:cSld>
+    <p:spTree>
+      <p:nvGrpSpPr>
+        <p:cNvPr id="1" name=""/>
+        <p:cNvGrpSpPr/>
+        <p:nvPr/>
+      </p:nvGrpSpPr>
+      <p:grpSpPr>
+        <a:xfrm>
+          <a:off x="0" y="0"/>
+          <a:ext cx="0" cy="0"/>
+          <a:chOff x="0" y="0"/>
+          <a:chExt cx="0" cy="0"/>
+        </a:xfrm>
+      </p:grpSpPr>
+      <p:sp>
+        <p:nvSpPr>
+          <p:cNvPr id="2" name="Titel 1">
+            <a:extLst>
+              <a:ext uri="{FF2B5EF4-FFF2-40B4-BE49-F238E27FC236}">
+                <a16:creationId xmlns:a16="http://schemas.microsoft.com/office/drawing/2014/main" id="{93627593-1C2A-4248-BE5D-67BA1613F5B3}"/>
+              </a:ext>
+            </a:extLst>
+          </p:cNvPr>
+          <p:cNvSpPr>
+            <a:spLocks noGrp="1"/>
+          </p:cNvSpPr>
+          <p:nvPr>
+            <p:ph type="ctrTitle"/>
+          </p:nvPr>
+        </p:nvSpPr>
+        <p:spPr/>
+        <p:txBody>
+          <a:bodyPr/>
+          <a:lstStyle/>
+          <a:p>
+            <a:r>
+              <a:rPr lang="de-DE" dirty="0" err="1"/>
+              <a:t>Thanks</a:t>
+            </a:r>
+            <a:r>
+              <a:rPr lang="de-DE" dirty="0"/>
+              <a:t> </a:t>
+            </a:r>
+            <a:r>
+              <a:rPr lang="de-DE" dirty="0" err="1"/>
+              <a:t>for</a:t>
+            </a:r>
+            <a:r>
+              <a:rPr lang="de-DE" dirty="0"/>
+              <a:t> </a:t>
+            </a:r>
+            <a:r>
+              <a:rPr lang="de-DE" dirty="0" err="1"/>
+              <a:t>the</a:t>
+            </a:r>
+            <a:r>
+              <a:rPr lang="de-DE" dirty="0"/>
+              <a:t> </a:t>
+            </a:r>
+            <a:r>
+              <a:rPr lang="de-DE" dirty="0" err="1"/>
+              <a:t>attention</a:t>
+            </a:r>
+            <a:endParaRPr lang="de-DE" dirty="0"/>
+          </a:p>
+        </p:txBody>
+      </p:sp>
+      <p:sp>
+        <p:nvSpPr>
+          <p:cNvPr id="3" name="Untertitel 2">
+            <a:extLst>
+              <a:ext uri="{FF2B5EF4-FFF2-40B4-BE49-F238E27FC236}">
+                <a16:creationId xmlns:a16="http://schemas.microsoft.com/office/drawing/2014/main" id="{9CB3F4DD-0EB8-4AF7-A144-2C7E2BDFDF0B}"/>
+              </a:ext>
+            </a:extLst>
+          </p:cNvPr>
+          <p:cNvSpPr>
+            <a:spLocks noGrp="1"/>
+          </p:cNvSpPr>
+          <p:nvPr>
+            <p:ph type="subTitle" idx="1"/>
+          </p:nvPr>
+        </p:nvSpPr>
+        <p:spPr/>
+        <p:txBody>
+          <a:bodyPr/>
+          <a:lstStyle/>
+          <a:p>
+            <a:r>
+              <a:rPr lang="de-DE" dirty="0" err="1"/>
+              <a:t>Your</a:t>
+            </a:r>
+            <a:r>
+              <a:rPr lang="de-DE" dirty="0"/>
+              <a:t> </a:t>
+            </a:r>
+            <a:r>
+              <a:rPr lang="de-DE" dirty="0" err="1"/>
+              <a:t>team</a:t>
+            </a:r>
+            <a:r>
+              <a:rPr lang="de-DE" dirty="0"/>
+              <a:t> </a:t>
+            </a:r>
+            <a:r>
+              <a:rPr lang="de-DE" dirty="0" err="1"/>
+              <a:t>tenniskönig</a:t>
+            </a:r>
+            <a:r>
+              <a:rPr lang="de-DE" dirty="0"/>
+              <a:t> </a:t>
+            </a:r>
+            <a:r>
+              <a:rPr lang="de-DE" dirty="0" err="1"/>
+              <a:t>is</a:t>
+            </a:r>
+            <a:r>
+              <a:rPr lang="de-DE" dirty="0"/>
+              <a:t> out!</a:t>
+            </a:r>
+          </a:p>
+        </p:txBody>
+      </p:sp>
+    </p:spTree>
+    <p:extLst>
+      <p:ext uri="{BB962C8B-B14F-4D97-AF65-F5344CB8AC3E}">
+        <p14:creationId xmlns:p14="http://schemas.microsoft.com/office/powerpoint/2010/main" val="1582106764"/>
+      </p:ext>
+    </p:extLst>
+  </p:cSld>
+  <p:clrMapOvr>
+    <a:masterClrMapping/>
+  </p:clrMapOvr>
+</p:sld>
+</file>
+
 <file path=ppt/slides/slide3.xml><?xml version="1.0" encoding="utf-8"?>
+<p:sld xmlns:a="http://schemas.openxmlformats.org/drawingml/2006/main" xmlns:r="http://schemas.openxmlformats.org/officeDocument/2006/relationships" xmlns:p="http://schemas.openxmlformats.org/presentationml/2006/main">
+  <p:cSld>
+    <p:spTree>
+      <p:nvGrpSpPr>
+        <p:cNvPr id="1" name=""/>
+        <p:cNvGrpSpPr/>
+        <p:nvPr/>
+      </p:nvGrpSpPr>
+      <p:grpSpPr>
+        <a:xfrm>
+          <a:off x="0" y="0"/>
+          <a:ext cx="0" cy="0"/>
+          <a:chOff x="0" y="0"/>
+          <a:chExt cx="0" cy="0"/>
+        </a:xfrm>
+      </p:grpSpPr>
+      <p:sp>
+        <p:nvSpPr>
+          <p:cNvPr id="2" name="Titel 1">
+            <a:extLst>
+              <a:ext uri="{FF2B5EF4-FFF2-40B4-BE49-F238E27FC236}">
+                <a16:creationId xmlns:a16="http://schemas.microsoft.com/office/drawing/2014/main" id="{B641ED13-7655-4768-A838-1875B2F9F34A}"/>
+              </a:ext>
+            </a:extLst>
+          </p:cNvPr>
+          <p:cNvSpPr>
+            <a:spLocks noGrp="1"/>
+          </p:cNvSpPr>
+          <p:nvPr>
+            <p:ph type="title"/>
+          </p:nvPr>
+        </p:nvSpPr>
+        <p:spPr/>
+        <p:txBody>
+          <a:bodyPr/>
+          <a:lstStyle/>
+          <a:p>
+            <a:r>
+              <a:rPr lang="de-DE" dirty="0"/>
+              <a:t>Vision</a:t>
+            </a:r>
+          </a:p>
+        </p:txBody>
+      </p:sp>
+      <p:sp>
+        <p:nvSpPr>
+          <p:cNvPr id="3" name="Inhaltsplatzhalter 2">
+            <a:extLst>
+              <a:ext uri="{FF2B5EF4-FFF2-40B4-BE49-F238E27FC236}">
+                <a16:creationId xmlns:a16="http://schemas.microsoft.com/office/drawing/2014/main" id="{38430063-574C-4F02-85DD-821236D2BA6B}"/>
+              </a:ext>
+            </a:extLst>
+          </p:cNvPr>
+          <p:cNvSpPr>
+            <a:spLocks noGrp="1"/>
+          </p:cNvSpPr>
+          <p:nvPr>
+            <p:ph idx="1"/>
+          </p:nvPr>
+        </p:nvSpPr>
+        <p:spPr/>
+        <p:txBody>
+          <a:bodyPr>
+            <a:noAutofit/>
+          </a:bodyPr>
+          <a:lstStyle/>
+          <a:p>
+            <a:pPr>
+              <a:lnSpc>
+                <a:spcPct val="200000"/>
+              </a:lnSpc>
+            </a:pPr>
+            <a:r>
+              <a:rPr lang="de-DE" sz="2000" dirty="0"/>
+              <a:t>Blow </a:t>
+            </a:r>
+            <a:r>
+              <a:rPr lang="de-DE" sz="2000" dirty="0" err="1"/>
+              <a:t>up</a:t>
+            </a:r>
+            <a:r>
+              <a:rPr lang="de-DE" sz="2000" dirty="0"/>
+              <a:t> </a:t>
+            </a:r>
+            <a:r>
+              <a:rPr lang="de-DE" sz="2000" dirty="0" err="1"/>
+              <a:t>your</a:t>
+            </a:r>
+            <a:r>
+              <a:rPr lang="de-DE" sz="2000" dirty="0"/>
+              <a:t> </a:t>
+            </a:r>
+            <a:r>
+              <a:rPr lang="de-DE" sz="2000" dirty="0" err="1"/>
+              <a:t>motivation</a:t>
+            </a:r>
+            <a:r>
+              <a:rPr lang="de-DE" sz="2000" dirty="0"/>
+              <a:t> </a:t>
+            </a:r>
+            <a:r>
+              <a:rPr lang="de-DE" sz="2000" dirty="0" err="1"/>
+              <a:t>level</a:t>
+            </a:r>
+            <a:r>
+              <a:rPr lang="de-DE" sz="2000" dirty="0"/>
+              <a:t> </a:t>
+            </a:r>
+            <a:r>
+              <a:rPr lang="de-DE" sz="2000" dirty="0" err="1"/>
+              <a:t>to</a:t>
+            </a:r>
+            <a:r>
+              <a:rPr lang="de-DE" sz="2000" dirty="0"/>
+              <a:t> </a:t>
+            </a:r>
+            <a:r>
+              <a:rPr lang="de-DE" sz="2000" dirty="0" err="1"/>
+              <a:t>play</a:t>
+            </a:r>
+            <a:r>
+              <a:rPr lang="de-DE" sz="2000" dirty="0"/>
+              <a:t> </a:t>
+            </a:r>
+            <a:r>
+              <a:rPr lang="de-DE" sz="2000" dirty="0" err="1"/>
+              <a:t>tennis</a:t>
+            </a:r>
+            <a:r>
+              <a:rPr lang="de-DE" sz="2000" dirty="0"/>
+              <a:t> </a:t>
+            </a:r>
+            <a:r>
+              <a:rPr lang="de-DE" sz="2000" dirty="0" err="1"/>
+              <a:t>againt</a:t>
+            </a:r>
+            <a:r>
+              <a:rPr lang="de-DE" sz="2000" dirty="0"/>
+              <a:t> </a:t>
+            </a:r>
+            <a:r>
+              <a:rPr lang="de-DE" sz="2000" dirty="0" err="1"/>
+              <a:t>others</a:t>
+            </a:r>
+            <a:endParaRPr lang="de-DE" sz="2000" dirty="0"/>
+          </a:p>
+          <a:p>
+            <a:pPr>
+              <a:lnSpc>
+                <a:spcPct val="200000"/>
+              </a:lnSpc>
+            </a:pPr>
+            <a:r>
+              <a:rPr lang="de-DE" sz="2000" dirty="0" err="1"/>
+              <a:t>Compete</a:t>
+            </a:r>
+            <a:r>
+              <a:rPr lang="de-DE" sz="2000" dirty="0"/>
+              <a:t> </a:t>
+            </a:r>
+            <a:r>
+              <a:rPr lang="de-DE" sz="2000" dirty="0" err="1"/>
+              <a:t>againt</a:t>
+            </a:r>
+            <a:r>
+              <a:rPr lang="de-DE" sz="2000" dirty="0"/>
+              <a:t> </a:t>
+            </a:r>
+            <a:r>
+              <a:rPr lang="de-DE" sz="2000" dirty="0" err="1"/>
+              <a:t>others</a:t>
+            </a:r>
+            <a:r>
+              <a:rPr lang="de-DE" sz="2000" dirty="0"/>
+              <a:t> </a:t>
+            </a:r>
+            <a:r>
+              <a:rPr lang="de-DE" sz="2000" dirty="0" err="1"/>
+              <a:t>to</a:t>
+            </a:r>
+            <a:r>
+              <a:rPr lang="de-DE" sz="2000" dirty="0"/>
+              <a:t> </a:t>
+            </a:r>
+            <a:r>
+              <a:rPr lang="de-DE" sz="2000" dirty="0" err="1"/>
+              <a:t>be</a:t>
+            </a:r>
+            <a:r>
+              <a:rPr lang="de-DE" sz="2000" dirty="0"/>
+              <a:t> </a:t>
+            </a:r>
+            <a:r>
+              <a:rPr lang="de-DE" sz="2000" dirty="0" err="1"/>
+              <a:t>the</a:t>
+            </a:r>
+            <a:r>
+              <a:rPr lang="de-DE" sz="2000" dirty="0"/>
+              <a:t> </a:t>
+            </a:r>
+            <a:r>
+              <a:rPr lang="de-DE" sz="2000" dirty="0" err="1"/>
+              <a:t>best</a:t>
+            </a:r>
+            <a:r>
+              <a:rPr lang="de-DE" sz="2000" dirty="0"/>
+              <a:t> in </a:t>
+            </a:r>
+            <a:r>
+              <a:rPr lang="de-DE" sz="2000" dirty="0" err="1"/>
+              <a:t>this</a:t>
+            </a:r>
+            <a:r>
+              <a:rPr lang="de-DE" sz="2000" dirty="0"/>
+              <a:t> </a:t>
+            </a:r>
+            <a:r>
+              <a:rPr lang="de-DE" sz="2000" dirty="0" err="1"/>
+              <a:t>season</a:t>
+            </a:r>
+            <a:endParaRPr lang="de-DE" sz="2000" dirty="0"/>
+          </a:p>
+          <a:p>
+            <a:pPr>
+              <a:lnSpc>
+                <a:spcPct val="200000"/>
+              </a:lnSpc>
+            </a:pPr>
+            <a:r>
+              <a:rPr lang="de-DE" sz="2000" dirty="0" err="1"/>
+              <a:t>Have</a:t>
+            </a:r>
+            <a:r>
+              <a:rPr lang="de-DE" sz="2000" dirty="0"/>
+              <a:t> </a:t>
+            </a:r>
+            <a:r>
+              <a:rPr lang="de-DE" sz="2000" dirty="0" err="1"/>
+              <a:t>fun</a:t>
+            </a:r>
+            <a:endParaRPr lang="de-DE" sz="2000" dirty="0"/>
+          </a:p>
+        </p:txBody>
+      </p:sp>
+    </p:spTree>
+    <p:extLst>
+      <p:ext uri="{BB962C8B-B14F-4D97-AF65-F5344CB8AC3E}">
+        <p14:creationId xmlns:p14="http://schemas.microsoft.com/office/powerpoint/2010/main" val="2441140725"/>
+      </p:ext>
+    </p:extLst>
+  </p:cSld>
+  <p:clrMapOvr>
+    <a:masterClrMapping/>
+  </p:clrMapOvr>
+</p:sld>
+</file>
+
+<file path=ppt/slides/slide4.xml><?xml version="1.0" encoding="utf-8"?>
 <p:sld xmlns:a="http://schemas.openxmlformats.org/drawingml/2006/main" xmlns:r="http://schemas.openxmlformats.org/officeDocument/2006/relationships" xmlns:p="http://schemas.openxmlformats.org/presentationml/2006/main">
   <p:cSld>
     <p:spTree>
@@ -13493,9 +15745,16 @@
             <p:ph type="title"/>
           </p:nvPr>
         </p:nvSpPr>
-        <p:spPr/>
+        <p:spPr>
+          <a:xfrm>
+            <a:off x="987315" y="707974"/>
+            <a:ext cx="3865134" cy="1158240"/>
+          </a:xfrm>
+        </p:spPr>
         <p:txBody>
-          <a:bodyPr/>
+          <a:bodyPr>
+            <a:normAutofit fontScale="90000"/>
+          </a:bodyPr>
           <a:lstStyle/>
           <a:p>
             <a:r>
@@ -13511,31 +15770,6 @@
               <a:t>Usecases</a:t>
             </a:r>
             <a:endParaRPr lang="de-DE" dirty="0"/>
-          </a:p>
-        </p:txBody>
-      </p:sp>
-      <p:sp>
-        <p:nvSpPr>
-          <p:cNvPr id="9" name="Textplatzhalter 8">
-            <a:extLst>
-              <a:ext uri="{FF2B5EF4-FFF2-40B4-BE49-F238E27FC236}">
-                <a16:creationId xmlns:a16="http://schemas.microsoft.com/office/drawing/2014/main" id="{A5D39A77-9A9D-44DC-A4EF-5B6B86530928}"/>
-              </a:ext>
-            </a:extLst>
-          </p:cNvPr>
-          <p:cNvSpPr>
-            <a:spLocks noGrp="1"/>
-          </p:cNvSpPr>
-          <p:nvPr>
-            <p:ph type="body" sz="half" idx="2"/>
-          </p:nvPr>
-        </p:nvSpPr>
-        <p:spPr/>
-        <p:txBody>
-          <a:bodyPr/>
-          <a:lstStyle/>
-          <a:p>
-            <a:endParaRPr lang="de-DE"/>
           </a:p>
         </p:txBody>
       </p:sp>
@@ -13571,26 +15805,122 @@
       </p:pic>
       <p:sp>
         <p:nvSpPr>
-          <p:cNvPr id="10" name="Bildplatzhalter 7">
+          <p:cNvPr id="3" name="Textfeld 2">
             <a:extLst>
               <a:ext uri="{FF2B5EF4-FFF2-40B4-BE49-F238E27FC236}">
-                <a16:creationId xmlns:a16="http://schemas.microsoft.com/office/drawing/2014/main" id="{0F9848FF-43AA-4EAD-BA0F-2A67855C6DC1}"/>
+                <a16:creationId xmlns:a16="http://schemas.microsoft.com/office/drawing/2014/main" id="{14600236-4832-489D-9E70-E68EE676F802}"/>
               </a:ext>
             </a:extLst>
           </p:cNvPr>
-          <p:cNvSpPr>
-            <a:spLocks noGrp="1"/>
-          </p:cNvSpPr>
-          <p:nvPr>
-            <p:ph type="pic" idx="1"/>
-          </p:nvPr>
+          <p:cNvSpPr txBox="1"/>
+          <p:nvPr/>
         </p:nvSpPr>
         <p:spPr>
           <a:xfrm>
-            <a:off x="6547870" y="1143000"/>
-            <a:ext cx="3227193" cy="4572000"/>
+            <a:off x="1187229" y="2690336"/>
+            <a:ext cx="3665220" cy="1477328"/>
           </a:xfrm>
+          <a:prstGeom prst="rect">
+            <a:avLst/>
+          </a:prstGeom>
+          <a:noFill/>
         </p:spPr>
+        <p:txBody>
+          <a:bodyPr wrap="square" rtlCol="0">
+            <a:spAutoFit/>
+          </a:bodyPr>
+          <a:lstStyle/>
+          <a:p>
+            <a:r>
+              <a:rPr lang="de-DE" dirty="0" err="1">
+                <a:solidFill>
+                  <a:schemeClr val="bg1"/>
+                </a:solidFill>
+              </a:rPr>
+              <a:t>Important</a:t>
+            </a:r>
+            <a:r>
+              <a:rPr lang="de-DE" dirty="0">
+                <a:solidFill>
+                  <a:schemeClr val="bg1"/>
+                </a:solidFill>
+              </a:rPr>
+              <a:t>: </a:t>
+            </a:r>
+          </a:p>
+          <a:p>
+            <a:pPr marL="285750" indent="-285750">
+              <a:buFontTx/>
+              <a:buChar char="-"/>
+            </a:pPr>
+            <a:r>
+              <a:rPr lang="de-DE" dirty="0">
+                <a:solidFill>
+                  <a:schemeClr val="bg1"/>
+                </a:solidFill>
+              </a:rPr>
+              <a:t>Enter Match</a:t>
+            </a:r>
+          </a:p>
+          <a:p>
+            <a:pPr marL="285750" indent="-285750">
+              <a:buFontTx/>
+              <a:buChar char="-"/>
+            </a:pPr>
+            <a:r>
+              <a:rPr lang="de-DE" dirty="0">
+                <a:solidFill>
+                  <a:schemeClr val="bg1"/>
+                </a:solidFill>
+              </a:rPr>
+              <a:t>View Highscore</a:t>
+            </a:r>
+          </a:p>
+          <a:p>
+            <a:pPr marL="285750" indent="-285750">
+              <a:buFontTx/>
+              <a:buChar char="-"/>
+            </a:pPr>
+            <a:r>
+              <a:rPr lang="de-DE" dirty="0" err="1">
+                <a:solidFill>
+                  <a:schemeClr val="bg1"/>
+                </a:solidFill>
+              </a:rPr>
+              <a:t>Evaluate</a:t>
+            </a:r>
+            <a:r>
+              <a:rPr lang="de-DE" dirty="0">
+                <a:solidFill>
+                  <a:schemeClr val="bg1"/>
+                </a:solidFill>
+              </a:rPr>
+              <a:t> Mates</a:t>
+            </a:r>
+          </a:p>
+          <a:p>
+            <a:pPr marL="285750" indent="-285750">
+              <a:buFontTx/>
+              <a:buChar char="-"/>
+            </a:pPr>
+            <a:r>
+              <a:rPr lang="de-DE" dirty="0" err="1">
+                <a:solidFill>
+                  <a:schemeClr val="bg1"/>
+                </a:solidFill>
+              </a:rPr>
+              <a:t>Calculate</a:t>
+            </a:r>
+            <a:r>
+              <a:rPr lang="de-DE" dirty="0">
+                <a:solidFill>
+                  <a:schemeClr val="bg1"/>
+                </a:solidFill>
+              </a:rPr>
+              <a:t> Highscore</a:t>
+            </a:r>
+          </a:p>
+        </p:txBody>
       </p:sp>
     </p:spTree>
     <p:extLst>
@@ -13605,7 +15935,7 @@
 </p:sld>
 </file>
 
-<file path=ppt/slides/slide4.xml><?xml version="1.0" encoding="utf-8"?>
+<file path=ppt/slides/slide5.xml><?xml version="1.0" encoding="utf-8"?>
 <p:sld xmlns:a="http://schemas.openxmlformats.org/drawingml/2006/main" xmlns:r="http://schemas.openxmlformats.org/officeDocument/2006/relationships" xmlns:p="http://schemas.openxmlformats.org/presentationml/2006/main">
   <p:cSld>
     <p:spTree>
@@ -13811,7 +16141,7 @@
 </p:sld>
 </file>
 
-<file path=ppt/slides/slide5.xml><?xml version="1.0" encoding="utf-8"?>
+<file path=ppt/slides/slide6.xml><?xml version="1.0" encoding="utf-8"?>
 <p:sld xmlns:a="http://schemas.openxmlformats.org/drawingml/2006/main" xmlns:r="http://schemas.openxmlformats.org/officeDocument/2006/relationships" xmlns:p="http://schemas.openxmlformats.org/presentationml/2006/main">
   <p:cSld>
     <p:spTree>
@@ -13844,62 +16174,23 @@
             <p:ph type="title"/>
           </p:nvPr>
         </p:nvSpPr>
-        <p:spPr>
-          <a:xfrm>
-            <a:off x="1149032" y="1649996"/>
-            <a:ext cx="3865134" cy="1735667"/>
-          </a:xfrm>
-        </p:spPr>
-        <p:txBody>
-          <a:bodyPr/>
-          <a:lstStyle/>
-          <a:p>
-            <a:r>
-              <a:rPr lang="de-DE" dirty="0"/>
-              <a:t>RUP</a:t>
-            </a:r>
-          </a:p>
-        </p:txBody>
-      </p:sp>
-      <p:sp>
-        <p:nvSpPr>
-          <p:cNvPr id="4" name="Bildplatzhalter 3">
-            <a:extLst>
-              <a:ext uri="{FF2B5EF4-FFF2-40B4-BE49-F238E27FC236}">
-                <a16:creationId xmlns:a16="http://schemas.microsoft.com/office/drawing/2014/main" id="{BD154E9A-15DC-4666-8106-4FC79AC11AD3}"/>
-              </a:ext>
-            </a:extLst>
-          </p:cNvPr>
-          <p:cNvSpPr>
-            <a:spLocks noGrp="1"/>
-          </p:cNvSpPr>
-          <p:nvPr>
-            <p:ph type="pic" idx="1"/>
-          </p:nvPr>
-        </p:nvSpPr>
-        <p:spPr/>
-      </p:sp>
-      <p:sp>
-        <p:nvSpPr>
-          <p:cNvPr id="5" name="Textplatzhalter 4">
-            <a:extLst>
-              <a:ext uri="{FF2B5EF4-FFF2-40B4-BE49-F238E27FC236}">
-                <a16:creationId xmlns:a16="http://schemas.microsoft.com/office/drawing/2014/main" id="{98578241-A834-4E62-92C5-FABE9365C86C}"/>
-              </a:ext>
-            </a:extLst>
-          </p:cNvPr>
-          <p:cNvSpPr>
-            <a:spLocks noGrp="1"/>
-          </p:cNvSpPr>
-          <p:nvPr>
-            <p:ph type="body" sz="half" idx="2"/>
-          </p:nvPr>
-        </p:nvSpPr>
         <p:spPr/>
         <p:txBody>
           <a:bodyPr/>
           <a:lstStyle/>
           <a:p>
+            <a:r>
+              <a:rPr lang="de-DE" dirty="0" err="1"/>
+              <a:t>Issue</a:t>
+            </a:r>
+            <a:r>
+              <a:rPr lang="de-DE" dirty="0"/>
+              <a:t> </a:t>
+            </a:r>
+            <a:r>
+              <a:rPr lang="de-DE" dirty="0" err="1"/>
+              <a:t>Types</a:t>
+            </a:r>
             <a:endParaRPr lang="de-DE" dirty="0"/>
           </a:p>
         </p:txBody>
@@ -13926,8 +16217,8 @@
         </p:blipFill>
         <p:spPr>
           <a:xfrm>
-            <a:off x="4780520" y="1451773"/>
-            <a:ext cx="6633358" cy="4119727"/>
+            <a:off x="2713201" y="2293689"/>
+            <a:ext cx="6765598" cy="4125986"/>
           </a:xfrm>
           <a:prstGeom prst="rect">
             <a:avLst/>
@@ -13947,7 +16238,7 @@
 </p:sld>
 </file>
 
-<file path=ppt/slides/slide6.xml><?xml version="1.0" encoding="utf-8"?>
+<file path=ppt/slides/slide7.xml><?xml version="1.0" encoding="utf-8"?>
 <p:sld xmlns:a="http://schemas.openxmlformats.org/drawingml/2006/main" xmlns:r="http://schemas.openxmlformats.org/officeDocument/2006/relationships" xmlns:p="http://schemas.openxmlformats.org/presentationml/2006/main">
   <p:cSld>
     <p:spTree>
@@ -13969,7 +16260,7 @@
           <p:cNvPr id="2" name="Titel 1">
             <a:extLst>
               <a:ext uri="{FF2B5EF4-FFF2-40B4-BE49-F238E27FC236}">
-                <a16:creationId xmlns:a16="http://schemas.microsoft.com/office/drawing/2014/main" id="{A7852244-CA77-4203-BC0B-3787BC58FB0E}"/>
+                <a16:creationId xmlns:a16="http://schemas.microsoft.com/office/drawing/2014/main" id="{8D7A6FD0-3540-41A8-9CFE-3C0D82EB5847}"/>
               </a:ext>
             </a:extLst>
           </p:cNvPr>
@@ -13987,22 +16278,17 @@
           <a:p>
             <a:r>
               <a:rPr lang="de-DE" dirty="0"/>
-              <a:t>FP Time </a:t>
-            </a:r>
-            <a:r>
-              <a:rPr lang="de-DE" dirty="0" err="1"/>
-              <a:t>Estimation</a:t>
-            </a:r>
-            <a:endParaRPr lang="de-DE" dirty="0"/>
+              <a:t>RUP	</a:t>
+            </a:r>
           </a:p>
         </p:txBody>
       </p:sp>
       <p:sp>
         <p:nvSpPr>
-          <p:cNvPr id="3" name="Bildplatzhalter 2">
+          <p:cNvPr id="3" name="Inhaltsplatzhalter 2">
             <a:extLst>
               <a:ext uri="{FF2B5EF4-FFF2-40B4-BE49-F238E27FC236}">
-                <a16:creationId xmlns:a16="http://schemas.microsoft.com/office/drawing/2014/main" id="{2627641A-359C-49FA-BBBF-594C2F76BB7A}"/>
+                <a16:creationId xmlns:a16="http://schemas.microsoft.com/office/drawing/2014/main" id="{5F409434-B38A-4C28-9BAA-10A6263CA896}"/>
               </a:ext>
             </a:extLst>
           </p:cNvPr>
@@ -14010,17 +16296,58 @@
             <a:spLocks noGrp="1"/>
           </p:cNvSpPr>
           <p:nvPr>
-            <p:ph type="pic" idx="1"/>
+            <p:ph idx="1"/>
           </p:nvPr>
         </p:nvSpPr>
         <p:spPr/>
+        <p:txBody>
+          <a:bodyPr/>
+          <a:lstStyle/>
+          <a:p>
+            <a:r>
+              <a:rPr lang="de-DE" dirty="0" err="1"/>
+              <a:t>tbd</a:t>
+            </a:r>
+            <a:endParaRPr lang="de-DE" dirty="0"/>
+          </a:p>
+        </p:txBody>
       </p:sp>
+    </p:spTree>
+    <p:extLst>
+      <p:ext uri="{BB962C8B-B14F-4D97-AF65-F5344CB8AC3E}">
+        <p14:creationId xmlns:p14="http://schemas.microsoft.com/office/powerpoint/2010/main" val="3184499874"/>
+      </p:ext>
+    </p:extLst>
+  </p:cSld>
+  <p:clrMapOvr>
+    <a:masterClrMapping/>
+  </p:clrMapOvr>
+</p:sld>
+</file>
+
+<file path=ppt/slides/slide8.xml><?xml version="1.0" encoding="utf-8"?>
+<p:sld xmlns:a="http://schemas.openxmlformats.org/drawingml/2006/main" xmlns:r="http://schemas.openxmlformats.org/officeDocument/2006/relationships" xmlns:p="http://schemas.openxmlformats.org/presentationml/2006/main">
+  <p:cSld>
+    <p:spTree>
+      <p:nvGrpSpPr>
+        <p:cNvPr id="1" name=""/>
+        <p:cNvGrpSpPr/>
+        <p:nvPr/>
+      </p:nvGrpSpPr>
+      <p:grpSpPr>
+        <a:xfrm>
+          <a:off x="0" y="0"/>
+          <a:ext cx="0" cy="0"/>
+          <a:chOff x="0" y="0"/>
+          <a:chExt cx="0" cy="0"/>
+        </a:xfrm>
+      </p:grpSpPr>
       <p:sp>
         <p:nvSpPr>
-          <p:cNvPr id="4" name="Textplatzhalter 3">
+          <p:cNvPr id="2" name="Titel 1">
             <a:extLst>
               <a:ext uri="{FF2B5EF4-FFF2-40B4-BE49-F238E27FC236}">
-                <a16:creationId xmlns:a16="http://schemas.microsoft.com/office/drawing/2014/main" id="{A8475210-AAD0-409E-8C55-B844A9A6DB5D}"/>
+                <a16:creationId xmlns:a16="http://schemas.microsoft.com/office/drawing/2014/main" id="{0A4E82DB-C852-4F76-BC6B-4434B2F210FE}"/>
               </a:ext>
             </a:extLst>
           </p:cNvPr>
@@ -14028,7 +16355,7 @@
             <a:spLocks noGrp="1"/>
           </p:cNvSpPr>
           <p:nvPr>
-            <p:ph type="body" sz="half" idx="2"/>
+            <p:ph type="title"/>
           </p:nvPr>
         </p:nvSpPr>
         <p:spPr/>
@@ -14036,16 +16363,287 @@
           <a:bodyPr/>
           <a:lstStyle/>
           <a:p>
+            <a:r>
+              <a:rPr lang="de-DE" dirty="0"/>
+              <a:t>Project </a:t>
+            </a:r>
+            <a:r>
+              <a:rPr lang="de-DE" dirty="0" err="1"/>
+              <a:t>management</a:t>
+            </a:r>
+            <a:endParaRPr lang="de-DE" dirty="0"/>
+          </a:p>
+        </p:txBody>
+      </p:sp>
+      <p:sp>
+        <p:nvSpPr>
+          <p:cNvPr id="3" name="Inhaltsplatzhalter 2">
+            <a:extLst>
+              <a:ext uri="{FF2B5EF4-FFF2-40B4-BE49-F238E27FC236}">
+                <a16:creationId xmlns:a16="http://schemas.microsoft.com/office/drawing/2014/main" id="{620270AD-80FC-4A84-8F99-944F7D9EA2DB}"/>
+              </a:ext>
+            </a:extLst>
+          </p:cNvPr>
+          <p:cNvSpPr>
+            <a:spLocks noGrp="1"/>
+          </p:cNvSpPr>
+          <p:nvPr>
+            <p:ph idx="1"/>
+          </p:nvPr>
+        </p:nvSpPr>
+        <p:spPr/>
+        <p:txBody>
+          <a:bodyPr/>
+          <a:lstStyle/>
+          <a:p>
+            <a:r>
+              <a:rPr lang="de-DE" dirty="0"/>
+              <a:t>Time and </a:t>
+            </a:r>
+            <a:r>
+              <a:rPr lang="de-DE" dirty="0" err="1"/>
+              <a:t>task</a:t>
+            </a:r>
+            <a:r>
+              <a:rPr lang="de-DE" dirty="0"/>
+              <a:t> </a:t>
+            </a:r>
+            <a:r>
+              <a:rPr lang="de-DE" dirty="0" err="1"/>
+              <a:t>management</a:t>
+            </a:r>
+            <a:r>
+              <a:rPr lang="de-DE" dirty="0"/>
+              <a:t> </a:t>
+            </a:r>
+            <a:r>
+              <a:rPr lang="de-DE" dirty="0" err="1"/>
+              <a:t>system</a:t>
+            </a:r>
+            <a:endParaRPr lang="de-DE" dirty="0"/>
+          </a:p>
+          <a:p>
+            <a:pPr lvl="1"/>
+            <a:r>
+              <a:rPr lang="de-DE" dirty="0"/>
+              <a:t>Jira</a:t>
+            </a:r>
+          </a:p>
+          <a:p>
+            <a:r>
+              <a:rPr lang="de-DE" dirty="0"/>
+              <a:t>Agile </a:t>
+            </a:r>
+            <a:r>
+              <a:rPr lang="de-DE" dirty="0" err="1"/>
+              <a:t>software</a:t>
+            </a:r>
+            <a:r>
+              <a:rPr lang="de-DE" dirty="0"/>
+              <a:t> </a:t>
+            </a:r>
+            <a:r>
+              <a:rPr lang="de-DE" dirty="0" err="1"/>
+              <a:t>development</a:t>
+            </a:r>
+            <a:endParaRPr lang="de-DE" dirty="0"/>
+          </a:p>
+          <a:p>
+            <a:pPr lvl="1"/>
+            <a:r>
+              <a:rPr lang="de-DE" dirty="0" err="1"/>
+              <a:t>Scrum</a:t>
+            </a:r>
+            <a:endParaRPr lang="de-DE" dirty="0"/>
+          </a:p>
+          <a:p>
+            <a:r>
+              <a:rPr lang="de-DE" dirty="0" err="1"/>
+              <a:t>Document</a:t>
+            </a:r>
+            <a:r>
+              <a:rPr lang="de-DE" dirty="0"/>
+              <a:t> </a:t>
+            </a:r>
+            <a:r>
+              <a:rPr lang="de-DE" dirty="0" err="1"/>
+              <a:t>our</a:t>
+            </a:r>
+            <a:r>
+              <a:rPr lang="de-DE" dirty="0"/>
+              <a:t> </a:t>
+            </a:r>
+            <a:r>
+              <a:rPr lang="de-DE" dirty="0" err="1"/>
+              <a:t>progress</a:t>
+            </a:r>
+            <a:r>
+              <a:rPr lang="de-DE" dirty="0"/>
+              <a:t> </a:t>
+            </a:r>
+            <a:r>
+              <a:rPr lang="de-DE" dirty="0" err="1"/>
+              <a:t>for</a:t>
+            </a:r>
+            <a:r>
+              <a:rPr lang="de-DE" dirty="0"/>
+              <a:t> </a:t>
+            </a:r>
+            <a:r>
+              <a:rPr lang="de-DE" dirty="0" err="1"/>
+              <a:t>the</a:t>
+            </a:r>
+            <a:r>
+              <a:rPr lang="de-DE" dirty="0"/>
+              <a:t> </a:t>
+            </a:r>
+            <a:r>
+              <a:rPr lang="de-DE" dirty="0" err="1"/>
+              <a:t>world</a:t>
+            </a:r>
+            <a:endParaRPr lang="de-DE" dirty="0"/>
+          </a:p>
+          <a:p>
+            <a:pPr lvl="1"/>
+            <a:r>
+              <a:rPr lang="de-DE" dirty="0"/>
+              <a:t>Blogger</a:t>
+            </a:r>
+          </a:p>
+        </p:txBody>
+      </p:sp>
+    </p:spTree>
+    <p:extLst>
+      <p:ext uri="{BB962C8B-B14F-4D97-AF65-F5344CB8AC3E}">
+        <p14:creationId xmlns:p14="http://schemas.microsoft.com/office/powerpoint/2010/main" val="751126475"/>
+      </p:ext>
+    </p:extLst>
+  </p:cSld>
+  <p:clrMapOvr>
+    <a:masterClrMapping/>
+  </p:clrMapOvr>
+</p:sld>
+</file>
+
+<file path=ppt/slides/slide9.xml><?xml version="1.0" encoding="utf-8"?>
+<p:sld xmlns:a="http://schemas.openxmlformats.org/drawingml/2006/main" xmlns:r="http://schemas.openxmlformats.org/officeDocument/2006/relationships" xmlns:p="http://schemas.openxmlformats.org/presentationml/2006/main">
+  <p:cSld>
+    <p:spTree>
+      <p:nvGrpSpPr>
+        <p:cNvPr id="1" name=""/>
+        <p:cNvGrpSpPr/>
+        <p:nvPr/>
+      </p:nvGrpSpPr>
+      <p:grpSpPr>
+        <a:xfrm>
+          <a:off x="0" y="0"/>
+          <a:ext cx="0" cy="0"/>
+          <a:chOff x="0" y="0"/>
+          <a:chExt cx="0" cy="0"/>
+        </a:xfrm>
+      </p:grpSpPr>
+      <p:sp>
+        <p:nvSpPr>
+          <p:cNvPr id="2" name="Titel 1">
+            <a:extLst>
+              <a:ext uri="{FF2B5EF4-FFF2-40B4-BE49-F238E27FC236}">
+                <a16:creationId xmlns:a16="http://schemas.microsoft.com/office/drawing/2014/main" id="{7BE10362-A4A4-4D9C-88A9-A9E70E9CF847}"/>
+              </a:ext>
+            </a:extLst>
+          </p:cNvPr>
+          <p:cNvSpPr>
+            <a:spLocks noGrp="1"/>
+          </p:cNvSpPr>
+          <p:nvPr>
+            <p:ph type="title"/>
+          </p:nvPr>
+        </p:nvSpPr>
+        <p:spPr/>
+        <p:txBody>
+          <a:bodyPr/>
+          <a:lstStyle/>
+          <a:p>
+            <a:r>
+              <a:rPr lang="de-DE" dirty="0"/>
+              <a:t>Technologie </a:t>
+            </a:r>
+            <a:r>
+              <a:rPr lang="de-DE" dirty="0" err="1"/>
+              <a:t>stack</a:t>
+            </a:r>
+            <a:endParaRPr lang="de-DE" dirty="0"/>
+          </a:p>
+        </p:txBody>
+      </p:sp>
+      <p:sp>
+        <p:nvSpPr>
+          <p:cNvPr id="3" name="Inhaltsplatzhalter 2">
+            <a:extLst>
+              <a:ext uri="{FF2B5EF4-FFF2-40B4-BE49-F238E27FC236}">
+                <a16:creationId xmlns:a16="http://schemas.microsoft.com/office/drawing/2014/main" id="{9F904453-8C6A-4287-A62F-E4D59B3645DE}"/>
+              </a:ext>
+            </a:extLst>
+          </p:cNvPr>
+          <p:cNvSpPr>
+            <a:spLocks noGrp="1"/>
+          </p:cNvSpPr>
+          <p:nvPr>
+            <p:ph idx="1"/>
+          </p:nvPr>
+        </p:nvSpPr>
+        <p:spPr/>
+        <p:txBody>
+          <a:bodyPr/>
+          <a:lstStyle/>
+          <a:p>
+            <a:r>
+              <a:rPr lang="de-DE" dirty="0"/>
+              <a:t>Backend</a:t>
+            </a:r>
+          </a:p>
+          <a:p>
+            <a:pPr lvl="1"/>
+            <a:r>
+              <a:rPr lang="de-DE" dirty="0"/>
+              <a:t>Spring</a:t>
+            </a:r>
+          </a:p>
+          <a:p>
+            <a:pPr lvl="1"/>
+            <a:r>
+              <a:rPr lang="de-DE" dirty="0"/>
+              <a:t>Hibernate</a:t>
+            </a:r>
+          </a:p>
+          <a:p>
+            <a:pPr lvl="1"/>
+            <a:r>
+              <a:rPr lang="de-DE" dirty="0"/>
+              <a:t>MySQL</a:t>
+            </a:r>
+          </a:p>
+          <a:p>
+            <a:r>
+              <a:rPr lang="de-DE" dirty="0"/>
+              <a:t>Frontend</a:t>
+            </a:r>
+          </a:p>
+          <a:p>
+            <a:pPr lvl="1"/>
+            <a:r>
+              <a:rPr lang="de-DE" dirty="0" err="1"/>
+              <a:t>tbd</a:t>
+            </a:r>
             <a:endParaRPr lang="de-DE" dirty="0"/>
           </a:p>
         </p:txBody>
       </p:sp>
       <p:pic>
         <p:nvPicPr>
-          <p:cNvPr id="5" name="Grafik 4">
+          <p:cNvPr id="7" name="Grafik 6">
             <a:extLst>
               <a:ext uri="{FF2B5EF4-FFF2-40B4-BE49-F238E27FC236}">
-                <a16:creationId xmlns:a16="http://schemas.microsoft.com/office/drawing/2014/main" id="{48AE955A-9882-48CC-B0F2-821BD8C216BA}"/>
+                <a16:creationId xmlns:a16="http://schemas.microsoft.com/office/drawing/2014/main" id="{A6BE3B11-5203-4365-BF9A-5BE5996D0C66}"/>
               </a:ext>
             </a:extLst>
           </p:cNvPr>
@@ -14062,8 +16660,68 @@
         </p:blipFill>
         <p:spPr>
           <a:xfrm>
-            <a:off x="3453918" y="3058220"/>
-            <a:ext cx="7875685" cy="3270931"/>
+            <a:off x="3646501" y="2603500"/>
+            <a:ext cx="2242570" cy="1179158"/>
+          </a:xfrm>
+          <a:prstGeom prst="rect">
+            <a:avLst/>
+          </a:prstGeom>
+        </p:spPr>
+      </p:pic>
+      <p:pic>
+        <p:nvPicPr>
+          <p:cNvPr id="9" name="Grafik 8">
+            <a:extLst>
+              <a:ext uri="{FF2B5EF4-FFF2-40B4-BE49-F238E27FC236}">
+                <a16:creationId xmlns:a16="http://schemas.microsoft.com/office/drawing/2014/main" id="{4F04F1DB-5A3D-41FF-AC7C-1C2CD8EAE089}"/>
+              </a:ext>
+            </a:extLst>
+          </p:cNvPr>
+          <p:cNvPicPr>
+            <a:picLocks noChangeAspect="1"/>
+          </p:cNvPicPr>
+          <p:nvPr/>
+        </p:nvPicPr>
+        <p:blipFill>
+          <a:blip r:embed="rId3"/>
+          <a:stretch>
+            <a:fillRect/>
+          </a:stretch>
+        </p:blipFill>
+        <p:spPr>
+          <a:xfrm>
+            <a:off x="6179890" y="2547919"/>
+            <a:ext cx="3290284" cy="912540"/>
+          </a:xfrm>
+          <a:prstGeom prst="rect">
+            <a:avLst/>
+          </a:prstGeom>
+        </p:spPr>
+      </p:pic>
+      <p:pic>
+        <p:nvPicPr>
+          <p:cNvPr id="11" name="Grafik 10">
+            <a:extLst>
+              <a:ext uri="{FF2B5EF4-FFF2-40B4-BE49-F238E27FC236}">
+                <a16:creationId xmlns:a16="http://schemas.microsoft.com/office/drawing/2014/main" id="{73A8B115-22AA-417C-A654-A6F1FE7BF27F}"/>
+              </a:ext>
+            </a:extLst>
+          </p:cNvPr>
+          <p:cNvPicPr>
+            <a:picLocks noChangeAspect="1"/>
+          </p:cNvPicPr>
+          <p:nvPr/>
+        </p:nvPicPr>
+        <p:blipFill>
+          <a:blip r:embed="rId4"/>
+          <a:stretch>
+            <a:fillRect/>
+          </a:stretch>
+        </p:blipFill>
+        <p:spPr>
+          <a:xfrm>
+            <a:off x="9093817" y="2635363"/>
+            <a:ext cx="2111079" cy="1460867"/>
           </a:xfrm>
           <a:prstGeom prst="rect">
             <a:avLst/>
@@ -14073,7 +16731,7 @@
     </p:spTree>
     <p:extLst>
       <p:ext uri="{BB962C8B-B14F-4D97-AF65-F5344CB8AC3E}">
-        <p14:creationId xmlns:p14="http://schemas.microsoft.com/office/powerpoint/2010/main" val="2865027297"/>
+        <p14:creationId xmlns:p14="http://schemas.microsoft.com/office/powerpoint/2010/main" val="2896403155"/>
       </p:ext>
     </p:extLst>
   </p:cSld>
